--- a/프론트엔드기초(PPT)/HTML5 5강_공간분할태그.pptx
+++ b/프론트엔드기초(PPT)/HTML5 5강_공간분할태그.pptx
@@ -12,10 +12,9 @@
     <p:sldId id="272" r:id="rId6"/>
     <p:sldId id="273" r:id="rId7"/>
     <p:sldId id="271" r:id="rId8"/>
-    <p:sldId id="275" r:id="rId9"/>
-    <p:sldId id="260" r:id="rId10"/>
-    <p:sldId id="274" r:id="rId11"/>
-    <p:sldId id="263" r:id="rId12"/>
+    <p:sldId id="260" r:id="rId9"/>
+    <p:sldId id="274" r:id="rId10"/>
+    <p:sldId id="263" r:id="rId11"/>
   </p:sldIdLst>
   <p:sldSz cx="9144000" cy="6858000" type="screen4x3"/>
   <p:notesSz cx="6858000" cy="9144000"/>
@@ -298,7 +297,7 @@
           <a:p>
             <a:fld id="{FB30EDBD-1C2D-4C1E-B459-B60219FAB484}" type="datetimeFigureOut">
               <a:rPr lang="ko-KR" altLang="en-US" smtClean="0"/>
-              <a:t>2020-04-07</a:t>
+              <a:t>2020-09-07</a:t>
             </a:fld>
             <a:endParaRPr lang="ko-KR" altLang="en-US"/>
           </a:p>
@@ -463,7 +462,7 @@
           <a:p>
             <a:fld id="{FB30EDBD-1C2D-4C1E-B459-B60219FAB484}" type="datetimeFigureOut">
               <a:rPr lang="ko-KR" altLang="en-US" smtClean="0"/>
-              <a:t>2020-04-07</a:t>
+              <a:t>2020-09-07</a:t>
             </a:fld>
             <a:endParaRPr lang="ko-KR" altLang="en-US"/>
           </a:p>
@@ -638,7 +637,7 @@
           <a:p>
             <a:fld id="{FB30EDBD-1C2D-4C1E-B459-B60219FAB484}" type="datetimeFigureOut">
               <a:rPr lang="ko-KR" altLang="en-US" smtClean="0"/>
-              <a:t>2020-04-07</a:t>
+              <a:t>2020-09-07</a:t>
             </a:fld>
             <a:endParaRPr lang="ko-KR" altLang="en-US"/>
           </a:p>
@@ -803,7 +802,7 @@
           <a:p>
             <a:fld id="{FB30EDBD-1C2D-4C1E-B459-B60219FAB484}" type="datetimeFigureOut">
               <a:rPr lang="ko-KR" altLang="en-US" smtClean="0"/>
-              <a:t>2020-04-07</a:t>
+              <a:t>2020-09-07</a:t>
             </a:fld>
             <a:endParaRPr lang="ko-KR" altLang="en-US"/>
           </a:p>
@@ -1044,7 +1043,7 @@
           <a:p>
             <a:fld id="{FB30EDBD-1C2D-4C1E-B459-B60219FAB484}" type="datetimeFigureOut">
               <a:rPr lang="ko-KR" altLang="en-US" smtClean="0"/>
-              <a:t>2020-04-07</a:t>
+              <a:t>2020-09-07</a:t>
             </a:fld>
             <a:endParaRPr lang="ko-KR" altLang="en-US"/>
           </a:p>
@@ -1327,7 +1326,7 @@
           <a:p>
             <a:fld id="{FB30EDBD-1C2D-4C1E-B459-B60219FAB484}" type="datetimeFigureOut">
               <a:rPr lang="ko-KR" altLang="en-US" smtClean="0"/>
-              <a:t>2020-04-07</a:t>
+              <a:t>2020-09-07</a:t>
             </a:fld>
             <a:endParaRPr lang="ko-KR" altLang="en-US"/>
           </a:p>
@@ -1744,7 +1743,7 @@
           <a:p>
             <a:fld id="{FB30EDBD-1C2D-4C1E-B459-B60219FAB484}" type="datetimeFigureOut">
               <a:rPr lang="ko-KR" altLang="en-US" smtClean="0"/>
-              <a:t>2020-04-07</a:t>
+              <a:t>2020-09-07</a:t>
             </a:fld>
             <a:endParaRPr lang="ko-KR" altLang="en-US"/>
           </a:p>
@@ -1857,7 +1856,7 @@
           <a:p>
             <a:fld id="{FB30EDBD-1C2D-4C1E-B459-B60219FAB484}" type="datetimeFigureOut">
               <a:rPr lang="ko-KR" altLang="en-US" smtClean="0"/>
-              <a:t>2020-04-07</a:t>
+              <a:t>2020-09-07</a:t>
             </a:fld>
             <a:endParaRPr lang="ko-KR" altLang="en-US"/>
           </a:p>
@@ -1947,7 +1946,7 @@
           <a:p>
             <a:fld id="{FB30EDBD-1C2D-4C1E-B459-B60219FAB484}" type="datetimeFigureOut">
               <a:rPr lang="ko-KR" altLang="en-US" smtClean="0"/>
-              <a:t>2020-04-07</a:t>
+              <a:t>2020-09-07</a:t>
             </a:fld>
             <a:endParaRPr lang="ko-KR" altLang="en-US"/>
           </a:p>
@@ -2219,7 +2218,7 @@
           <a:p>
             <a:fld id="{FB30EDBD-1C2D-4C1E-B459-B60219FAB484}" type="datetimeFigureOut">
               <a:rPr lang="ko-KR" altLang="en-US" smtClean="0"/>
-              <a:t>2020-04-07</a:t>
+              <a:t>2020-09-07</a:t>
             </a:fld>
             <a:endParaRPr lang="ko-KR" altLang="en-US"/>
           </a:p>
@@ -2467,7 +2466,7 @@
           <a:p>
             <a:fld id="{FB30EDBD-1C2D-4C1E-B459-B60219FAB484}" type="datetimeFigureOut">
               <a:rPr lang="ko-KR" altLang="en-US" smtClean="0"/>
-              <a:t>2020-04-07</a:t>
+              <a:t>2020-09-07</a:t>
             </a:fld>
             <a:endParaRPr lang="ko-KR" altLang="en-US"/>
           </a:p>
@@ -2675,7 +2674,7 @@
           <a:p>
             <a:fld id="{FB30EDBD-1C2D-4C1E-B459-B60219FAB484}" type="datetimeFigureOut">
               <a:rPr lang="ko-KR" altLang="en-US" smtClean="0"/>
-              <a:t>2020-04-07</a:t>
+              <a:t>2020-09-07</a:t>
             </a:fld>
             <a:endParaRPr lang="ko-KR" altLang="en-US"/>
           </a:p>
@@ -3324,245 +3323,6 @@
       </p:grpSpPr>
       <p:sp>
         <p:nvSpPr>
-          <p:cNvPr id="2" name="제목 1"/>
-          <p:cNvSpPr>
-            <a:spLocks noGrp="1"/>
-          </p:cNvSpPr>
-          <p:nvPr>
-            <p:ph type="ctrTitle"/>
-          </p:nvPr>
-        </p:nvSpPr>
-        <p:spPr/>
-        <p:txBody>
-          <a:bodyPr/>
-          <a:lstStyle/>
-          <a:p>
-            <a:r>
-              <a:rPr lang="ko-KR" altLang="en-US" dirty="0" smtClean="0">
-                <a:solidFill>
-                  <a:schemeClr val="accent5"/>
-                </a:solidFill>
-                <a:latin typeface="배달의민족 주아" pitchFamily="18" charset="-127"/>
-                <a:ea typeface="배달의민족 주아" pitchFamily="18" charset="-127"/>
-              </a:rPr>
-              <a:t>실습</a:t>
-            </a:r>
-            <a:r>
-              <a:rPr lang="en-US" altLang="ko-KR" dirty="0" smtClean="0">
-                <a:solidFill>
-                  <a:schemeClr val="accent5"/>
-                </a:solidFill>
-                <a:latin typeface="배달의민족 주아" pitchFamily="18" charset="-127"/>
-                <a:ea typeface="배달의민족 주아" pitchFamily="18" charset="-127"/>
-              </a:rPr>
-              <a:t>!</a:t>
-            </a:r>
-            <a:endParaRPr lang="ko-KR" altLang="en-US" dirty="0">
-              <a:solidFill>
-                <a:schemeClr val="accent5"/>
-              </a:solidFill>
-              <a:latin typeface="배달의민족 주아" pitchFamily="18" charset="-127"/>
-              <a:ea typeface="배달의민족 주아" pitchFamily="18" charset="-127"/>
-            </a:endParaRPr>
-          </a:p>
-        </p:txBody>
-      </p:sp>
-      <p:sp>
-        <p:nvSpPr>
-          <p:cNvPr id="3" name="TextBox 2"/>
-          <p:cNvSpPr txBox="1"/>
-          <p:nvPr/>
-        </p:nvSpPr>
-        <p:spPr>
-          <a:xfrm>
-            <a:off x="6948264" y="6093296"/>
-            <a:ext cx="1838965" cy="369332"/>
-          </a:xfrm>
-          <a:prstGeom prst="rect">
-            <a:avLst/>
-          </a:prstGeom>
-          <a:noFill/>
-        </p:spPr>
-        <p:txBody>
-          <a:bodyPr wrap="none" rtlCol="0">
-            <a:spAutoFit/>
-          </a:bodyPr>
-          <a:lstStyle>
-            <a:defPPr>
-              <a:defRPr lang="ko-KR"/>
-            </a:defPPr>
-            <a:lvl1pPr marL="0" algn="l" defTabSz="914400" rtl="0" eaLnBrk="1" latinLnBrk="1" hangingPunct="1">
-              <a:defRPr sz="1800" kern="1200">
-                <a:solidFill>
-                  <a:schemeClr val="tx1"/>
-                </a:solidFill>
-                <a:latin typeface="+mn-lt"/>
-                <a:ea typeface="+mn-ea"/>
-                <a:cs typeface="+mn-cs"/>
-              </a:defRPr>
-            </a:lvl1pPr>
-            <a:lvl2pPr marL="457200" algn="l" defTabSz="914400" rtl="0" eaLnBrk="1" latinLnBrk="1" hangingPunct="1">
-              <a:defRPr sz="1800" kern="1200">
-                <a:solidFill>
-                  <a:schemeClr val="tx1"/>
-                </a:solidFill>
-                <a:latin typeface="+mn-lt"/>
-                <a:ea typeface="+mn-ea"/>
-                <a:cs typeface="+mn-cs"/>
-              </a:defRPr>
-            </a:lvl2pPr>
-            <a:lvl3pPr marL="914400" algn="l" defTabSz="914400" rtl="0" eaLnBrk="1" latinLnBrk="1" hangingPunct="1">
-              <a:defRPr sz="1800" kern="1200">
-                <a:solidFill>
-                  <a:schemeClr val="tx1"/>
-                </a:solidFill>
-                <a:latin typeface="+mn-lt"/>
-                <a:ea typeface="+mn-ea"/>
-                <a:cs typeface="+mn-cs"/>
-              </a:defRPr>
-            </a:lvl3pPr>
-            <a:lvl4pPr marL="1371600" algn="l" defTabSz="914400" rtl="0" eaLnBrk="1" latinLnBrk="1" hangingPunct="1">
-              <a:defRPr sz="1800" kern="1200">
-                <a:solidFill>
-                  <a:schemeClr val="tx1"/>
-                </a:solidFill>
-                <a:latin typeface="+mn-lt"/>
-                <a:ea typeface="+mn-ea"/>
-                <a:cs typeface="+mn-cs"/>
-              </a:defRPr>
-            </a:lvl4pPr>
-            <a:lvl5pPr marL="1828800" algn="l" defTabSz="914400" rtl="0" eaLnBrk="1" latinLnBrk="1" hangingPunct="1">
-              <a:defRPr sz="1800" kern="1200">
-                <a:solidFill>
-                  <a:schemeClr val="tx1"/>
-                </a:solidFill>
-                <a:latin typeface="+mn-lt"/>
-                <a:ea typeface="+mn-ea"/>
-                <a:cs typeface="+mn-cs"/>
-              </a:defRPr>
-            </a:lvl5pPr>
-            <a:lvl6pPr marL="2286000" algn="l" defTabSz="914400" rtl="0" eaLnBrk="1" latinLnBrk="1" hangingPunct="1">
-              <a:defRPr sz="1800" kern="1200">
-                <a:solidFill>
-                  <a:schemeClr val="tx1"/>
-                </a:solidFill>
-                <a:latin typeface="+mn-lt"/>
-                <a:ea typeface="+mn-ea"/>
-                <a:cs typeface="+mn-cs"/>
-              </a:defRPr>
-            </a:lvl6pPr>
-            <a:lvl7pPr marL="2743200" algn="l" defTabSz="914400" rtl="0" eaLnBrk="1" latinLnBrk="1" hangingPunct="1">
-              <a:defRPr sz="1800" kern="1200">
-                <a:solidFill>
-                  <a:schemeClr val="tx1"/>
-                </a:solidFill>
-                <a:latin typeface="+mn-lt"/>
-                <a:ea typeface="+mn-ea"/>
-                <a:cs typeface="+mn-cs"/>
-              </a:defRPr>
-            </a:lvl7pPr>
-            <a:lvl8pPr marL="3200400" algn="l" defTabSz="914400" rtl="0" eaLnBrk="1" latinLnBrk="1" hangingPunct="1">
-              <a:defRPr sz="1800" kern="1200">
-                <a:solidFill>
-                  <a:schemeClr val="tx1"/>
-                </a:solidFill>
-                <a:latin typeface="+mn-lt"/>
-                <a:ea typeface="+mn-ea"/>
-                <a:cs typeface="+mn-cs"/>
-              </a:defRPr>
-            </a:lvl8pPr>
-            <a:lvl9pPr marL="3657600" algn="l" defTabSz="914400" rtl="0" eaLnBrk="1" latinLnBrk="1" hangingPunct="1">
-              <a:defRPr sz="1800" kern="1200">
-                <a:solidFill>
-                  <a:schemeClr val="tx1"/>
-                </a:solidFill>
-                <a:latin typeface="+mn-lt"/>
-                <a:ea typeface="+mn-ea"/>
-                <a:cs typeface="+mn-cs"/>
-              </a:defRPr>
-            </a:lvl9pPr>
-          </a:lstStyle>
-          <a:p>
-            <a:r>
-              <a:rPr lang="en-US" altLang="ko-KR" dirty="0" smtClean="0">
-                <a:solidFill>
-                  <a:schemeClr val="accent5"/>
-                </a:solidFill>
-                <a:latin typeface="배달의민족 도현" pitchFamily="50" charset="-127"/>
-                <a:ea typeface="배달의민족 도현" pitchFamily="50" charset="-127"/>
-              </a:rPr>
-              <a:t>S</a:t>
-            </a:r>
-            <a:r>
-              <a:rPr lang="en-US" altLang="ko-KR" dirty="0" smtClean="0">
-                <a:latin typeface="배달의민족 도현" pitchFamily="50" charset="-127"/>
-                <a:ea typeface="배달의민족 도현" pitchFamily="50" charset="-127"/>
-              </a:rPr>
-              <a:t>TART</a:t>
-            </a:r>
-            <a:r>
-              <a:rPr lang="en-US" altLang="ko-KR" dirty="0" smtClean="0">
-                <a:solidFill>
-                  <a:schemeClr val="accent5"/>
-                </a:solidFill>
-                <a:latin typeface="배달의민족 도현" pitchFamily="50" charset="-127"/>
-                <a:ea typeface="배달의민족 도현" pitchFamily="50" charset="-127"/>
-              </a:rPr>
-              <a:t>C</a:t>
-            </a:r>
-            <a:r>
-              <a:rPr lang="en-US" altLang="ko-KR" dirty="0" smtClean="0">
-                <a:latin typeface="배달의민족 도현" pitchFamily="50" charset="-127"/>
-                <a:ea typeface="배달의민족 도현" pitchFamily="50" charset="-127"/>
-              </a:rPr>
-              <a:t>ODING</a:t>
-            </a:r>
-            <a:endParaRPr lang="ko-KR" altLang="en-US" dirty="0">
-              <a:latin typeface="배달의민족 도현" pitchFamily="50" charset="-127"/>
-              <a:ea typeface="배달의민족 도현" pitchFamily="50" charset="-127"/>
-            </a:endParaRPr>
-          </a:p>
-        </p:txBody>
-      </p:sp>
-    </p:spTree>
-    <p:extLst>
-      <p:ext uri="{BB962C8B-B14F-4D97-AF65-F5344CB8AC3E}">
-        <p14:creationId xmlns:p14="http://schemas.microsoft.com/office/powerpoint/2010/main" val="3791781872"/>
-      </p:ext>
-    </p:extLst>
-  </p:cSld>
-  <p:clrMapOvr>
-    <a:masterClrMapping/>
-  </p:clrMapOvr>
-  <p:timing>
-    <p:tnLst>
-      <p:par>
-        <p:cTn id="1" dur="indefinite" restart="never" nodeType="tmRoot"/>
-      </p:par>
-    </p:tnLst>
-  </p:timing>
-</p:sld>
-</file>
-
-<file path=ppt/slides/slide11.xml><?xml version="1.0" encoding="utf-8"?>
-<p:sld xmlns:a="http://schemas.openxmlformats.org/drawingml/2006/main" xmlns:r="http://schemas.openxmlformats.org/officeDocument/2006/relationships" xmlns:p="http://schemas.openxmlformats.org/presentationml/2006/main">
-  <p:cSld>
-    <p:spTree>
-      <p:nvGrpSpPr>
-        <p:cNvPr id="1" name=""/>
-        <p:cNvGrpSpPr/>
-        <p:nvPr/>
-      </p:nvGrpSpPr>
-      <p:grpSpPr>
-        <a:xfrm>
-          <a:off x="0" y="0"/>
-          <a:ext cx="0" cy="0"/>
-          <a:chOff x="0" y="0"/>
-          <a:chExt cx="0" cy="0"/>
-        </a:xfrm>
-      </p:grpSpPr>
-      <p:sp>
-        <p:nvSpPr>
           <p:cNvPr id="5" name="제목 1"/>
           <p:cNvSpPr txBox="1">
             <a:spLocks/>
@@ -6178,7 +5938,9 @@
         </p:nvSpPr>
         <p:spPr/>
         <p:txBody>
-          <a:bodyPr/>
+          <a:bodyPr>
+            <a:normAutofit fontScale="90000"/>
+          </a:bodyPr>
           <a:lstStyle/>
           <a:p>
             <a:r>
@@ -6189,22 +5951,76 @@
                 <a:latin typeface="배달의민족 주아" pitchFamily="18" charset="-127"/>
                 <a:ea typeface="배달의민족 주아" pitchFamily="18" charset="-127"/>
               </a:rPr>
-              <a:t>실습</a:t>
-            </a:r>
-            <a:r>
-              <a:rPr lang="en-US" altLang="ko-KR" dirty="0" smtClean="0">
+              <a:t>과제</a:t>
+            </a:r>
+            <a:r>
+              <a:rPr lang="en-US" altLang="ko-KR" dirty="0">
                 <a:solidFill>
                   <a:schemeClr val="accent5"/>
                 </a:solidFill>
                 <a:latin typeface="배달의민족 주아" pitchFamily="18" charset="-127"/>
                 <a:ea typeface="배달의민족 주아" pitchFamily="18" charset="-127"/>
               </a:rPr>
-              <a:t>!</a:t>
+              <a:t/>
+            </a:r>
+            <a:br>
+              <a:rPr lang="en-US" altLang="ko-KR" dirty="0">
+                <a:solidFill>
+                  <a:schemeClr val="accent5"/>
+                </a:solidFill>
+                <a:latin typeface="배달의민족 주아" pitchFamily="18" charset="-127"/>
+                <a:ea typeface="배달의민족 주아" pitchFamily="18" charset="-127"/>
+              </a:rPr>
+            </a:br>
+            <a:r>
+              <a:rPr lang="ko-KR" altLang="en-US" dirty="0" smtClean="0">
+                <a:latin typeface="배달의민족 주아" pitchFamily="18" charset="-127"/>
+                <a:ea typeface="배달의민족 주아" pitchFamily="18" charset="-127"/>
+              </a:rPr>
+              <a:t>앞에서 배웠던 태그들이 </a:t>
+            </a:r>
+            <a:r>
+              <a:rPr lang="en-US" altLang="ko-KR" dirty="0" smtClean="0">
+                <a:latin typeface="배달의민족 주아" pitchFamily="18" charset="-127"/>
+                <a:ea typeface="배달의민족 주아" pitchFamily="18" charset="-127"/>
+              </a:rPr>
+              <a:t/>
+            </a:r>
+            <a:br>
+              <a:rPr lang="en-US" altLang="ko-KR" dirty="0" smtClean="0">
+                <a:latin typeface="배달의민족 주아" pitchFamily="18" charset="-127"/>
+                <a:ea typeface="배달의민족 주아" pitchFamily="18" charset="-127"/>
+              </a:rPr>
+            </a:br>
+            <a:r>
+              <a:rPr lang="ko-KR" altLang="en-US" dirty="0" err="1" smtClean="0">
+                <a:latin typeface="배달의민족 주아" pitchFamily="18" charset="-127"/>
+                <a:ea typeface="배달의민족 주아" pitchFamily="18" charset="-127"/>
+              </a:rPr>
+              <a:t>블락요소인지</a:t>
+            </a:r>
+            <a:r>
+              <a:rPr lang="ko-KR" altLang="en-US" dirty="0" smtClean="0">
+                <a:latin typeface="배달의민족 주아" pitchFamily="18" charset="-127"/>
+                <a:ea typeface="배달의민족 주아" pitchFamily="18" charset="-127"/>
+              </a:rPr>
+              <a:t> </a:t>
+            </a:r>
+            <a:r>
+              <a:rPr lang="ko-KR" altLang="en-US" dirty="0" err="1" smtClean="0">
+                <a:latin typeface="배달의민족 주아" pitchFamily="18" charset="-127"/>
+                <a:ea typeface="배달의민족 주아" pitchFamily="18" charset="-127"/>
+              </a:rPr>
+              <a:t>인라인요소인지</a:t>
+            </a:r>
+            <a:r>
+              <a:rPr lang="ko-KR" altLang="en-US" dirty="0" smtClean="0">
+                <a:latin typeface="배달의민족 주아" pitchFamily="18" charset="-127"/>
+                <a:ea typeface="배달의민족 주아" pitchFamily="18" charset="-127"/>
+              </a:rPr>
+              <a:t> 확인하기</a:t>
             </a:r>
             <a:endParaRPr lang="ko-KR" altLang="en-US" dirty="0">
-              <a:solidFill>
-                <a:schemeClr val="accent5"/>
-              </a:solidFill>
               <a:latin typeface="배달의민족 주아" pitchFamily="18" charset="-127"/>
               <a:ea typeface="배달의민족 주아" pitchFamily="18" charset="-127"/>
             </a:endParaRPr>
@@ -6371,7 +6187,7 @@
     </p:spTree>
     <p:extLst>
       <p:ext uri="{BB962C8B-B14F-4D97-AF65-F5344CB8AC3E}">
-        <p14:creationId xmlns:p14="http://schemas.microsoft.com/office/powerpoint/2010/main" val="3801594530"/>
+        <p14:creationId xmlns:p14="http://schemas.microsoft.com/office/powerpoint/2010/main" val="3842579216"/>
       </p:ext>
     </p:extLst>
   </p:cSld>
@@ -6417,9 +6233,7 @@
         </p:nvSpPr>
         <p:spPr/>
         <p:txBody>
-          <a:bodyPr>
-            <a:normAutofit fontScale="90000"/>
-          </a:bodyPr>
+          <a:bodyPr/>
           <a:lstStyle/>
           <a:p>
             <a:r>
@@ -6430,76 +6244,22 @@
                 <a:latin typeface="배달의민족 주아" pitchFamily="18" charset="-127"/>
                 <a:ea typeface="배달의민족 주아" pitchFamily="18" charset="-127"/>
               </a:rPr>
-              <a:t>과제</a:t>
-            </a:r>
-            <a:r>
-              <a:rPr lang="en-US" altLang="ko-KR" dirty="0">
+              <a:t>실습</a:t>
+            </a:r>
+            <a:r>
+              <a:rPr lang="en-US" altLang="ko-KR" dirty="0" smtClean="0">
                 <a:solidFill>
                   <a:schemeClr val="accent5"/>
                 </a:solidFill>
                 <a:latin typeface="배달의민족 주아" pitchFamily="18" charset="-127"/>
                 <a:ea typeface="배달의민족 주아" pitchFamily="18" charset="-127"/>
               </a:rPr>
-              <a:t/>
-            </a:r>
-            <a:br>
-              <a:rPr lang="en-US" altLang="ko-KR" dirty="0">
-                <a:solidFill>
-                  <a:schemeClr val="accent5"/>
-                </a:solidFill>
-                <a:latin typeface="배달의민족 주아" pitchFamily="18" charset="-127"/>
-                <a:ea typeface="배달의민족 주아" pitchFamily="18" charset="-127"/>
-              </a:rPr>
-            </a:br>
-            <a:r>
-              <a:rPr lang="ko-KR" altLang="en-US" dirty="0" smtClean="0">
-                <a:latin typeface="배달의민족 주아" pitchFamily="18" charset="-127"/>
-                <a:ea typeface="배달의민족 주아" pitchFamily="18" charset="-127"/>
-              </a:rPr>
-              <a:t>앞에서 배웠던 태그들이 </a:t>
-            </a:r>
-            <a:r>
-              <a:rPr lang="en-US" altLang="ko-KR" dirty="0" smtClean="0">
-                <a:latin typeface="배달의민족 주아" pitchFamily="18" charset="-127"/>
-                <a:ea typeface="배달의민족 주아" pitchFamily="18" charset="-127"/>
-              </a:rPr>
-              <a:t/>
-            </a:r>
-            <a:br>
-              <a:rPr lang="en-US" altLang="ko-KR" dirty="0" smtClean="0">
-                <a:latin typeface="배달의민족 주아" pitchFamily="18" charset="-127"/>
-                <a:ea typeface="배달의민족 주아" pitchFamily="18" charset="-127"/>
-              </a:rPr>
-            </a:br>
-            <a:r>
-              <a:rPr lang="ko-KR" altLang="en-US" dirty="0" err="1" smtClean="0">
-                <a:latin typeface="배달의민족 주아" pitchFamily="18" charset="-127"/>
-                <a:ea typeface="배달의민족 주아" pitchFamily="18" charset="-127"/>
-              </a:rPr>
-              <a:t>블락요소인지</a:t>
-            </a:r>
-            <a:r>
-              <a:rPr lang="ko-KR" altLang="en-US" dirty="0" smtClean="0">
-                <a:latin typeface="배달의민족 주아" pitchFamily="18" charset="-127"/>
-                <a:ea typeface="배달의민족 주아" pitchFamily="18" charset="-127"/>
-              </a:rPr>
-              <a:t> </a:t>
-            </a:r>
-            <a:r>
-              <a:rPr lang="ko-KR" altLang="en-US" dirty="0" err="1" smtClean="0">
-                <a:latin typeface="배달의민족 주아" pitchFamily="18" charset="-127"/>
-                <a:ea typeface="배달의민족 주아" pitchFamily="18" charset="-127"/>
-              </a:rPr>
-              <a:t>인라인요소인지</a:t>
-            </a:r>
-            <a:r>
-              <a:rPr lang="ko-KR" altLang="en-US" dirty="0" smtClean="0">
-                <a:latin typeface="배달의민족 주아" pitchFamily="18" charset="-127"/>
-                <a:ea typeface="배달의민족 주아" pitchFamily="18" charset="-127"/>
-              </a:rPr>
-              <a:t> 확인하기</a:t>
+              <a:t>!</a:t>
             </a:r>
             <a:endParaRPr lang="ko-KR" altLang="en-US" dirty="0">
+              <a:solidFill>
+                <a:schemeClr val="accent5"/>
+              </a:solidFill>
               <a:latin typeface="배달의민족 주아" pitchFamily="18" charset="-127"/>
               <a:ea typeface="배달의민족 주아" pitchFamily="18" charset="-127"/>
             </a:endParaRPr>
@@ -6666,7 +6426,7 @@
     </p:spTree>
     <p:extLst>
       <p:ext uri="{BB962C8B-B14F-4D97-AF65-F5344CB8AC3E}">
-        <p14:creationId xmlns:p14="http://schemas.microsoft.com/office/powerpoint/2010/main" val="3842579216"/>
+        <p14:creationId xmlns:p14="http://schemas.microsoft.com/office/powerpoint/2010/main" val="3791781872"/>
       </p:ext>
     </p:extLst>
   </p:cSld>

--- a/프론트엔드기초(PPT)/HTML5 5강_공간분할태그.pptx
+++ b/프론트엔드기초(PPT)/HTML5 5강_공간분할태그.pptx
@@ -8,13 +8,14 @@
     <p:sldId id="256" r:id="rId2"/>
     <p:sldId id="262" r:id="rId3"/>
     <p:sldId id="257" r:id="rId4"/>
-    <p:sldId id="270" r:id="rId5"/>
-    <p:sldId id="272" r:id="rId6"/>
-    <p:sldId id="273" r:id="rId7"/>
-    <p:sldId id="271" r:id="rId8"/>
-    <p:sldId id="260" r:id="rId9"/>
-    <p:sldId id="274" r:id="rId10"/>
-    <p:sldId id="263" r:id="rId11"/>
+    <p:sldId id="275" r:id="rId5"/>
+    <p:sldId id="270" r:id="rId6"/>
+    <p:sldId id="272" r:id="rId7"/>
+    <p:sldId id="273" r:id="rId8"/>
+    <p:sldId id="271" r:id="rId9"/>
+    <p:sldId id="260" r:id="rId10"/>
+    <p:sldId id="274" r:id="rId11"/>
+    <p:sldId id="263" r:id="rId12"/>
   </p:sldIdLst>
   <p:sldSz cx="9144000" cy="6858000" type="screen4x3"/>
   <p:notesSz cx="6858000" cy="9144000"/>
@@ -297,7 +298,7 @@
           <a:p>
             <a:fld id="{FB30EDBD-1C2D-4C1E-B459-B60219FAB484}" type="datetimeFigureOut">
               <a:rPr lang="ko-KR" altLang="en-US" smtClean="0"/>
-              <a:t>2020-09-07</a:t>
+              <a:t>2020-09-19</a:t>
             </a:fld>
             <a:endParaRPr lang="ko-KR" altLang="en-US"/>
           </a:p>
@@ -462,7 +463,7 @@
           <a:p>
             <a:fld id="{FB30EDBD-1C2D-4C1E-B459-B60219FAB484}" type="datetimeFigureOut">
               <a:rPr lang="ko-KR" altLang="en-US" smtClean="0"/>
-              <a:t>2020-09-07</a:t>
+              <a:t>2020-09-19</a:t>
             </a:fld>
             <a:endParaRPr lang="ko-KR" altLang="en-US"/>
           </a:p>
@@ -637,7 +638,7 @@
           <a:p>
             <a:fld id="{FB30EDBD-1C2D-4C1E-B459-B60219FAB484}" type="datetimeFigureOut">
               <a:rPr lang="ko-KR" altLang="en-US" smtClean="0"/>
-              <a:t>2020-09-07</a:t>
+              <a:t>2020-09-19</a:t>
             </a:fld>
             <a:endParaRPr lang="ko-KR" altLang="en-US"/>
           </a:p>
@@ -802,7 +803,7 @@
           <a:p>
             <a:fld id="{FB30EDBD-1C2D-4C1E-B459-B60219FAB484}" type="datetimeFigureOut">
               <a:rPr lang="ko-KR" altLang="en-US" smtClean="0"/>
-              <a:t>2020-09-07</a:t>
+              <a:t>2020-09-19</a:t>
             </a:fld>
             <a:endParaRPr lang="ko-KR" altLang="en-US"/>
           </a:p>
@@ -1043,7 +1044,7 @@
           <a:p>
             <a:fld id="{FB30EDBD-1C2D-4C1E-B459-B60219FAB484}" type="datetimeFigureOut">
               <a:rPr lang="ko-KR" altLang="en-US" smtClean="0"/>
-              <a:t>2020-09-07</a:t>
+              <a:t>2020-09-19</a:t>
             </a:fld>
             <a:endParaRPr lang="ko-KR" altLang="en-US"/>
           </a:p>
@@ -1326,7 +1327,7 @@
           <a:p>
             <a:fld id="{FB30EDBD-1C2D-4C1E-B459-B60219FAB484}" type="datetimeFigureOut">
               <a:rPr lang="ko-KR" altLang="en-US" smtClean="0"/>
-              <a:t>2020-09-07</a:t>
+              <a:t>2020-09-19</a:t>
             </a:fld>
             <a:endParaRPr lang="ko-KR" altLang="en-US"/>
           </a:p>
@@ -1743,7 +1744,7 @@
           <a:p>
             <a:fld id="{FB30EDBD-1C2D-4C1E-B459-B60219FAB484}" type="datetimeFigureOut">
               <a:rPr lang="ko-KR" altLang="en-US" smtClean="0"/>
-              <a:t>2020-09-07</a:t>
+              <a:t>2020-09-19</a:t>
             </a:fld>
             <a:endParaRPr lang="ko-KR" altLang="en-US"/>
           </a:p>
@@ -1856,7 +1857,7 @@
           <a:p>
             <a:fld id="{FB30EDBD-1C2D-4C1E-B459-B60219FAB484}" type="datetimeFigureOut">
               <a:rPr lang="ko-KR" altLang="en-US" smtClean="0"/>
-              <a:t>2020-09-07</a:t>
+              <a:t>2020-09-19</a:t>
             </a:fld>
             <a:endParaRPr lang="ko-KR" altLang="en-US"/>
           </a:p>
@@ -1946,7 +1947,7 @@
           <a:p>
             <a:fld id="{FB30EDBD-1C2D-4C1E-B459-B60219FAB484}" type="datetimeFigureOut">
               <a:rPr lang="ko-KR" altLang="en-US" smtClean="0"/>
-              <a:t>2020-09-07</a:t>
+              <a:t>2020-09-19</a:t>
             </a:fld>
             <a:endParaRPr lang="ko-KR" altLang="en-US"/>
           </a:p>
@@ -2218,7 +2219,7 @@
           <a:p>
             <a:fld id="{FB30EDBD-1C2D-4C1E-B459-B60219FAB484}" type="datetimeFigureOut">
               <a:rPr lang="ko-KR" altLang="en-US" smtClean="0"/>
-              <a:t>2020-09-07</a:t>
+              <a:t>2020-09-19</a:t>
             </a:fld>
             <a:endParaRPr lang="ko-KR" altLang="en-US"/>
           </a:p>
@@ -2466,7 +2467,7 @@
           <a:p>
             <a:fld id="{FB30EDBD-1C2D-4C1E-B459-B60219FAB484}" type="datetimeFigureOut">
               <a:rPr lang="ko-KR" altLang="en-US" smtClean="0"/>
-              <a:t>2020-09-07</a:t>
+              <a:t>2020-09-19</a:t>
             </a:fld>
             <a:endParaRPr lang="ko-KR" altLang="en-US"/>
           </a:p>
@@ -2674,7 +2675,7 @@
           <a:p>
             <a:fld id="{FB30EDBD-1C2D-4C1E-B459-B60219FAB484}" type="datetimeFigureOut">
               <a:rPr lang="ko-KR" altLang="en-US" smtClean="0"/>
-              <a:t>2020-09-07</a:t>
+              <a:t>2020-09-19</a:t>
             </a:fld>
             <a:endParaRPr lang="ko-KR" altLang="en-US"/>
           </a:p>
@@ -3030,6 +3031,14 @@
 <file path=ppt/slides/slide1.xml><?xml version="1.0" encoding="utf-8"?>
 <p:sld xmlns:a="http://schemas.openxmlformats.org/drawingml/2006/main" xmlns:r="http://schemas.openxmlformats.org/officeDocument/2006/relationships" xmlns:p="http://schemas.openxmlformats.org/presentationml/2006/main">
   <p:cSld>
+    <p:bg>
+      <p:bgPr>
+        <a:solidFill>
+          <a:schemeClr val="accent5"/>
+        </a:solidFill>
+        <a:effectLst/>
+      </p:bgPr>
+    </p:bg>
     <p:spTree>
       <p:nvGrpSpPr>
         <p:cNvPr id="1" name=""/>
@@ -3064,7 +3073,7 @@
             <a:r>
               <a:rPr lang="en-US" altLang="ko-KR" sz="2800" dirty="0" smtClean="0">
                 <a:solidFill>
-                  <a:schemeClr val="accent5"/>
+                  <a:schemeClr val="bg1"/>
                 </a:solidFill>
                 <a:latin typeface="배달의민족 주아" pitchFamily="18" charset="-127"/>
                 <a:ea typeface="배달의민족 주아" pitchFamily="18" charset="-127"/>
@@ -3074,7 +3083,7 @@
             <a:r>
               <a:rPr lang="ko-KR" altLang="en-US" sz="2800" dirty="0" smtClean="0">
                 <a:solidFill>
-                  <a:schemeClr val="accent5"/>
+                  <a:schemeClr val="bg1"/>
                 </a:solidFill>
                 <a:latin typeface="배달의민족 주아" pitchFamily="18" charset="-127"/>
                 <a:ea typeface="배달의민족 주아" pitchFamily="18" charset="-127"/>
@@ -3084,7 +3093,7 @@
             <a:r>
               <a:rPr lang="en-US" altLang="ko-KR" sz="2800" dirty="0" smtClean="0">
                 <a:solidFill>
-                  <a:schemeClr val="accent5"/>
+                  <a:schemeClr val="bg1"/>
                 </a:solidFill>
                 <a:latin typeface="배달의민족 주아" pitchFamily="18" charset="-127"/>
                 <a:ea typeface="배달의민족 주아" pitchFamily="18" charset="-127"/>
@@ -3094,7 +3103,7 @@
             <a:br>
               <a:rPr lang="en-US" altLang="ko-KR" sz="2800" dirty="0" smtClean="0">
                 <a:solidFill>
-                  <a:schemeClr val="accent5"/>
+                  <a:schemeClr val="bg1"/>
                 </a:solidFill>
                 <a:latin typeface="배달의민족 주아" pitchFamily="18" charset="-127"/>
                 <a:ea typeface="배달의민족 주아" pitchFamily="18" charset="-127"/>
@@ -3102,6 +3111,9 @@
             </a:br>
             <a:r>
               <a:rPr lang="en-US" altLang="ko-KR" dirty="0" smtClean="0">
+                <a:solidFill>
+                  <a:schemeClr val="bg1"/>
+                </a:solidFill>
                 <a:latin typeface="배달의민족 주아" pitchFamily="18" charset="-127"/>
                 <a:ea typeface="배달의민족 주아" pitchFamily="18" charset="-127"/>
               </a:rPr>
@@ -3109,18 +3121,27 @@
             </a:r>
             <a:br>
               <a:rPr lang="en-US" altLang="ko-KR" dirty="0" smtClean="0">
+                <a:solidFill>
+                  <a:schemeClr val="bg1"/>
+                </a:solidFill>
                 <a:latin typeface="배달의민족 주아" pitchFamily="18" charset="-127"/>
                 <a:ea typeface="배달의민족 주아" pitchFamily="18" charset="-127"/>
               </a:rPr>
             </a:br>
             <a:r>
               <a:rPr lang="ko-KR" altLang="en-US" dirty="0" smtClean="0">
+                <a:solidFill>
+                  <a:schemeClr val="bg1"/>
+                </a:solidFill>
                 <a:latin typeface="배달의민족 주아" pitchFamily="18" charset="-127"/>
                 <a:ea typeface="배달의민족 주아" pitchFamily="18" charset="-127"/>
               </a:rPr>
               <a:t>공간 분할 태그</a:t>
             </a:r>
             <a:endParaRPr lang="ko-KR" altLang="en-US" dirty="0">
+              <a:solidFill>
+                <a:schemeClr val="bg1"/>
+              </a:solidFill>
               <a:latin typeface="배달의민족 주아" pitchFamily="18" charset="-127"/>
               <a:ea typeface="배달의민족 주아" pitchFamily="18" charset="-127"/>
             </a:endParaRPr>
@@ -3246,7 +3267,7 @@
             <a:r>
               <a:rPr lang="en-US" altLang="ko-KR" dirty="0" smtClean="0">
                 <a:solidFill>
-                  <a:schemeClr val="accent5"/>
+                  <a:schemeClr val="bg1"/>
                 </a:solidFill>
                 <a:latin typeface="배달의민족 도현" pitchFamily="50" charset="-127"/>
                 <a:ea typeface="배달의민족 도현" pitchFamily="50" charset="-127"/>
@@ -3263,7 +3284,7 @@
             <a:r>
               <a:rPr lang="en-US" altLang="ko-KR" dirty="0" smtClean="0">
                 <a:solidFill>
-                  <a:schemeClr val="accent5"/>
+                  <a:schemeClr val="bg1"/>
                 </a:solidFill>
                 <a:latin typeface="배달의민족 도현" pitchFamily="50" charset="-127"/>
                 <a:ea typeface="배달의민족 도현" pitchFamily="50" charset="-127"/>
@@ -3305,6 +3326,245 @@
 </file>
 
 <file path=ppt/slides/slide10.xml><?xml version="1.0" encoding="utf-8"?>
+<p:sld xmlns:a="http://schemas.openxmlformats.org/drawingml/2006/main" xmlns:r="http://schemas.openxmlformats.org/officeDocument/2006/relationships" xmlns:p="http://schemas.openxmlformats.org/presentationml/2006/main">
+  <p:cSld>
+    <p:spTree>
+      <p:nvGrpSpPr>
+        <p:cNvPr id="1" name=""/>
+        <p:cNvGrpSpPr/>
+        <p:nvPr/>
+      </p:nvGrpSpPr>
+      <p:grpSpPr>
+        <a:xfrm>
+          <a:off x="0" y="0"/>
+          <a:ext cx="0" cy="0"/>
+          <a:chOff x="0" y="0"/>
+          <a:chExt cx="0" cy="0"/>
+        </a:xfrm>
+      </p:grpSpPr>
+      <p:sp>
+        <p:nvSpPr>
+          <p:cNvPr id="2" name="제목 1"/>
+          <p:cNvSpPr>
+            <a:spLocks noGrp="1"/>
+          </p:cNvSpPr>
+          <p:nvPr>
+            <p:ph type="ctrTitle"/>
+          </p:nvPr>
+        </p:nvSpPr>
+        <p:spPr/>
+        <p:txBody>
+          <a:bodyPr/>
+          <a:lstStyle/>
+          <a:p>
+            <a:r>
+              <a:rPr lang="ko-KR" altLang="en-US" dirty="0" smtClean="0">
+                <a:solidFill>
+                  <a:schemeClr val="accent5"/>
+                </a:solidFill>
+                <a:latin typeface="배달의민족 주아" pitchFamily="18" charset="-127"/>
+                <a:ea typeface="배달의민족 주아" pitchFamily="18" charset="-127"/>
+              </a:rPr>
+              <a:t>실습</a:t>
+            </a:r>
+            <a:r>
+              <a:rPr lang="en-US" altLang="ko-KR" dirty="0" smtClean="0">
+                <a:solidFill>
+                  <a:schemeClr val="accent5"/>
+                </a:solidFill>
+                <a:latin typeface="배달의민족 주아" pitchFamily="18" charset="-127"/>
+                <a:ea typeface="배달의민족 주아" pitchFamily="18" charset="-127"/>
+              </a:rPr>
+              <a:t>!</a:t>
+            </a:r>
+            <a:endParaRPr lang="ko-KR" altLang="en-US" dirty="0">
+              <a:solidFill>
+                <a:schemeClr val="accent5"/>
+              </a:solidFill>
+              <a:latin typeface="배달의민족 주아" pitchFamily="18" charset="-127"/>
+              <a:ea typeface="배달의민족 주아" pitchFamily="18" charset="-127"/>
+            </a:endParaRPr>
+          </a:p>
+        </p:txBody>
+      </p:sp>
+      <p:sp>
+        <p:nvSpPr>
+          <p:cNvPr id="3" name="TextBox 2"/>
+          <p:cNvSpPr txBox="1"/>
+          <p:nvPr/>
+        </p:nvSpPr>
+        <p:spPr>
+          <a:xfrm>
+            <a:off x="6948264" y="6093296"/>
+            <a:ext cx="1838965" cy="369332"/>
+          </a:xfrm>
+          <a:prstGeom prst="rect">
+            <a:avLst/>
+          </a:prstGeom>
+          <a:noFill/>
+        </p:spPr>
+        <p:txBody>
+          <a:bodyPr wrap="none" rtlCol="0">
+            <a:spAutoFit/>
+          </a:bodyPr>
+          <a:lstStyle>
+            <a:defPPr>
+              <a:defRPr lang="ko-KR"/>
+            </a:defPPr>
+            <a:lvl1pPr marL="0" algn="l" defTabSz="914400" rtl="0" eaLnBrk="1" latinLnBrk="1" hangingPunct="1">
+              <a:defRPr sz="1800" kern="1200">
+                <a:solidFill>
+                  <a:schemeClr val="tx1"/>
+                </a:solidFill>
+                <a:latin typeface="+mn-lt"/>
+                <a:ea typeface="+mn-ea"/>
+                <a:cs typeface="+mn-cs"/>
+              </a:defRPr>
+            </a:lvl1pPr>
+            <a:lvl2pPr marL="457200" algn="l" defTabSz="914400" rtl="0" eaLnBrk="1" latinLnBrk="1" hangingPunct="1">
+              <a:defRPr sz="1800" kern="1200">
+                <a:solidFill>
+                  <a:schemeClr val="tx1"/>
+                </a:solidFill>
+                <a:latin typeface="+mn-lt"/>
+                <a:ea typeface="+mn-ea"/>
+                <a:cs typeface="+mn-cs"/>
+              </a:defRPr>
+            </a:lvl2pPr>
+            <a:lvl3pPr marL="914400" algn="l" defTabSz="914400" rtl="0" eaLnBrk="1" latinLnBrk="1" hangingPunct="1">
+              <a:defRPr sz="1800" kern="1200">
+                <a:solidFill>
+                  <a:schemeClr val="tx1"/>
+                </a:solidFill>
+                <a:latin typeface="+mn-lt"/>
+                <a:ea typeface="+mn-ea"/>
+                <a:cs typeface="+mn-cs"/>
+              </a:defRPr>
+            </a:lvl3pPr>
+            <a:lvl4pPr marL="1371600" algn="l" defTabSz="914400" rtl="0" eaLnBrk="1" latinLnBrk="1" hangingPunct="1">
+              <a:defRPr sz="1800" kern="1200">
+                <a:solidFill>
+                  <a:schemeClr val="tx1"/>
+                </a:solidFill>
+                <a:latin typeface="+mn-lt"/>
+                <a:ea typeface="+mn-ea"/>
+                <a:cs typeface="+mn-cs"/>
+              </a:defRPr>
+            </a:lvl4pPr>
+            <a:lvl5pPr marL="1828800" algn="l" defTabSz="914400" rtl="0" eaLnBrk="1" latinLnBrk="1" hangingPunct="1">
+              <a:defRPr sz="1800" kern="1200">
+                <a:solidFill>
+                  <a:schemeClr val="tx1"/>
+                </a:solidFill>
+                <a:latin typeface="+mn-lt"/>
+                <a:ea typeface="+mn-ea"/>
+                <a:cs typeface="+mn-cs"/>
+              </a:defRPr>
+            </a:lvl5pPr>
+            <a:lvl6pPr marL="2286000" algn="l" defTabSz="914400" rtl="0" eaLnBrk="1" latinLnBrk="1" hangingPunct="1">
+              <a:defRPr sz="1800" kern="1200">
+                <a:solidFill>
+                  <a:schemeClr val="tx1"/>
+                </a:solidFill>
+                <a:latin typeface="+mn-lt"/>
+                <a:ea typeface="+mn-ea"/>
+                <a:cs typeface="+mn-cs"/>
+              </a:defRPr>
+            </a:lvl6pPr>
+            <a:lvl7pPr marL="2743200" algn="l" defTabSz="914400" rtl="0" eaLnBrk="1" latinLnBrk="1" hangingPunct="1">
+              <a:defRPr sz="1800" kern="1200">
+                <a:solidFill>
+                  <a:schemeClr val="tx1"/>
+                </a:solidFill>
+                <a:latin typeface="+mn-lt"/>
+                <a:ea typeface="+mn-ea"/>
+                <a:cs typeface="+mn-cs"/>
+              </a:defRPr>
+            </a:lvl7pPr>
+            <a:lvl8pPr marL="3200400" algn="l" defTabSz="914400" rtl="0" eaLnBrk="1" latinLnBrk="1" hangingPunct="1">
+              <a:defRPr sz="1800" kern="1200">
+                <a:solidFill>
+                  <a:schemeClr val="tx1"/>
+                </a:solidFill>
+                <a:latin typeface="+mn-lt"/>
+                <a:ea typeface="+mn-ea"/>
+                <a:cs typeface="+mn-cs"/>
+              </a:defRPr>
+            </a:lvl8pPr>
+            <a:lvl9pPr marL="3657600" algn="l" defTabSz="914400" rtl="0" eaLnBrk="1" latinLnBrk="1" hangingPunct="1">
+              <a:defRPr sz="1800" kern="1200">
+                <a:solidFill>
+                  <a:schemeClr val="tx1"/>
+                </a:solidFill>
+                <a:latin typeface="+mn-lt"/>
+                <a:ea typeface="+mn-ea"/>
+                <a:cs typeface="+mn-cs"/>
+              </a:defRPr>
+            </a:lvl9pPr>
+          </a:lstStyle>
+          <a:p>
+            <a:r>
+              <a:rPr lang="en-US" altLang="ko-KR" dirty="0" smtClean="0">
+                <a:solidFill>
+                  <a:schemeClr val="accent5"/>
+                </a:solidFill>
+                <a:latin typeface="배달의민족 도현" pitchFamily="50" charset="-127"/>
+                <a:ea typeface="배달의민족 도현" pitchFamily="50" charset="-127"/>
+              </a:rPr>
+              <a:t>S</a:t>
+            </a:r>
+            <a:r>
+              <a:rPr lang="en-US" altLang="ko-KR" dirty="0" smtClean="0">
+                <a:latin typeface="배달의민족 도현" pitchFamily="50" charset="-127"/>
+                <a:ea typeface="배달의민족 도현" pitchFamily="50" charset="-127"/>
+              </a:rPr>
+              <a:t>TART</a:t>
+            </a:r>
+            <a:r>
+              <a:rPr lang="en-US" altLang="ko-KR" dirty="0" smtClean="0">
+                <a:solidFill>
+                  <a:schemeClr val="accent5"/>
+                </a:solidFill>
+                <a:latin typeface="배달의민족 도현" pitchFamily="50" charset="-127"/>
+                <a:ea typeface="배달의민족 도현" pitchFamily="50" charset="-127"/>
+              </a:rPr>
+              <a:t>C</a:t>
+            </a:r>
+            <a:r>
+              <a:rPr lang="en-US" altLang="ko-KR" dirty="0" smtClean="0">
+                <a:latin typeface="배달의민족 도현" pitchFamily="50" charset="-127"/>
+                <a:ea typeface="배달의민족 도현" pitchFamily="50" charset="-127"/>
+              </a:rPr>
+              <a:t>ODING</a:t>
+            </a:r>
+            <a:endParaRPr lang="ko-KR" altLang="en-US" dirty="0">
+              <a:latin typeface="배달의민족 도현" pitchFamily="50" charset="-127"/>
+              <a:ea typeface="배달의민족 도현" pitchFamily="50" charset="-127"/>
+            </a:endParaRPr>
+          </a:p>
+        </p:txBody>
+      </p:sp>
+    </p:spTree>
+    <p:extLst>
+      <p:ext uri="{BB962C8B-B14F-4D97-AF65-F5344CB8AC3E}">
+        <p14:creationId xmlns:p14="http://schemas.microsoft.com/office/powerpoint/2010/main" val="3791781872"/>
+      </p:ext>
+    </p:extLst>
+  </p:cSld>
+  <p:clrMapOvr>
+    <a:masterClrMapping/>
+  </p:clrMapOvr>
+  <p:timing>
+    <p:tnLst>
+      <p:par>
+        <p:cTn id="1" dur="indefinite" restart="never" nodeType="tmRoot"/>
+      </p:par>
+    </p:tnLst>
+  </p:timing>
+</p:sld>
+</file>
+
+<file path=ppt/slides/slide11.xml><?xml version="1.0" encoding="utf-8"?>
 <p:sld xmlns:a="http://schemas.openxmlformats.org/drawingml/2006/main" xmlns:r="http://schemas.openxmlformats.org/officeDocument/2006/relationships" xmlns:p="http://schemas.openxmlformats.org/presentationml/2006/main">
   <p:cSld>
     <p:spTree>
@@ -4265,6 +4525,513 @@
       </p:grpSpPr>
       <p:sp>
         <p:nvSpPr>
+          <p:cNvPr id="3" name="TextBox 2"/>
+          <p:cNvSpPr txBox="1"/>
+          <p:nvPr/>
+        </p:nvSpPr>
+        <p:spPr>
+          <a:xfrm>
+            <a:off x="6948264" y="6093296"/>
+            <a:ext cx="1838965" cy="369332"/>
+          </a:xfrm>
+          <a:prstGeom prst="rect">
+            <a:avLst/>
+          </a:prstGeom>
+          <a:noFill/>
+        </p:spPr>
+        <p:txBody>
+          <a:bodyPr wrap="none" rtlCol="0">
+            <a:spAutoFit/>
+          </a:bodyPr>
+          <a:lstStyle>
+            <a:defPPr>
+              <a:defRPr lang="ko-KR"/>
+            </a:defPPr>
+            <a:lvl1pPr marL="0" algn="l" defTabSz="914400" rtl="0" eaLnBrk="1" latinLnBrk="1" hangingPunct="1">
+              <a:defRPr sz="1800" kern="1200">
+                <a:solidFill>
+                  <a:schemeClr val="tx1"/>
+                </a:solidFill>
+                <a:latin typeface="+mn-lt"/>
+                <a:ea typeface="+mn-ea"/>
+                <a:cs typeface="+mn-cs"/>
+              </a:defRPr>
+            </a:lvl1pPr>
+            <a:lvl2pPr marL="457200" algn="l" defTabSz="914400" rtl="0" eaLnBrk="1" latinLnBrk="1" hangingPunct="1">
+              <a:defRPr sz="1800" kern="1200">
+                <a:solidFill>
+                  <a:schemeClr val="tx1"/>
+                </a:solidFill>
+                <a:latin typeface="+mn-lt"/>
+                <a:ea typeface="+mn-ea"/>
+                <a:cs typeface="+mn-cs"/>
+              </a:defRPr>
+            </a:lvl2pPr>
+            <a:lvl3pPr marL="914400" algn="l" defTabSz="914400" rtl="0" eaLnBrk="1" latinLnBrk="1" hangingPunct="1">
+              <a:defRPr sz="1800" kern="1200">
+                <a:solidFill>
+                  <a:schemeClr val="tx1"/>
+                </a:solidFill>
+                <a:latin typeface="+mn-lt"/>
+                <a:ea typeface="+mn-ea"/>
+                <a:cs typeface="+mn-cs"/>
+              </a:defRPr>
+            </a:lvl3pPr>
+            <a:lvl4pPr marL="1371600" algn="l" defTabSz="914400" rtl="0" eaLnBrk="1" latinLnBrk="1" hangingPunct="1">
+              <a:defRPr sz="1800" kern="1200">
+                <a:solidFill>
+                  <a:schemeClr val="tx1"/>
+                </a:solidFill>
+                <a:latin typeface="+mn-lt"/>
+                <a:ea typeface="+mn-ea"/>
+                <a:cs typeface="+mn-cs"/>
+              </a:defRPr>
+            </a:lvl4pPr>
+            <a:lvl5pPr marL="1828800" algn="l" defTabSz="914400" rtl="0" eaLnBrk="1" latinLnBrk="1" hangingPunct="1">
+              <a:defRPr sz="1800" kern="1200">
+                <a:solidFill>
+                  <a:schemeClr val="tx1"/>
+                </a:solidFill>
+                <a:latin typeface="+mn-lt"/>
+                <a:ea typeface="+mn-ea"/>
+                <a:cs typeface="+mn-cs"/>
+              </a:defRPr>
+            </a:lvl5pPr>
+            <a:lvl6pPr marL="2286000" algn="l" defTabSz="914400" rtl="0" eaLnBrk="1" latinLnBrk="1" hangingPunct="1">
+              <a:defRPr sz="1800" kern="1200">
+                <a:solidFill>
+                  <a:schemeClr val="tx1"/>
+                </a:solidFill>
+                <a:latin typeface="+mn-lt"/>
+                <a:ea typeface="+mn-ea"/>
+                <a:cs typeface="+mn-cs"/>
+              </a:defRPr>
+            </a:lvl6pPr>
+            <a:lvl7pPr marL="2743200" algn="l" defTabSz="914400" rtl="0" eaLnBrk="1" latinLnBrk="1" hangingPunct="1">
+              <a:defRPr sz="1800" kern="1200">
+                <a:solidFill>
+                  <a:schemeClr val="tx1"/>
+                </a:solidFill>
+                <a:latin typeface="+mn-lt"/>
+                <a:ea typeface="+mn-ea"/>
+                <a:cs typeface="+mn-cs"/>
+              </a:defRPr>
+            </a:lvl7pPr>
+            <a:lvl8pPr marL="3200400" algn="l" defTabSz="914400" rtl="0" eaLnBrk="1" latinLnBrk="1" hangingPunct="1">
+              <a:defRPr sz="1800" kern="1200">
+                <a:solidFill>
+                  <a:schemeClr val="tx1"/>
+                </a:solidFill>
+                <a:latin typeface="+mn-lt"/>
+                <a:ea typeface="+mn-ea"/>
+                <a:cs typeface="+mn-cs"/>
+              </a:defRPr>
+            </a:lvl8pPr>
+            <a:lvl9pPr marL="3657600" algn="l" defTabSz="914400" rtl="0" eaLnBrk="1" latinLnBrk="1" hangingPunct="1">
+              <a:defRPr sz="1800" kern="1200">
+                <a:solidFill>
+                  <a:schemeClr val="tx1"/>
+                </a:solidFill>
+                <a:latin typeface="+mn-lt"/>
+                <a:ea typeface="+mn-ea"/>
+                <a:cs typeface="+mn-cs"/>
+              </a:defRPr>
+            </a:lvl9pPr>
+          </a:lstStyle>
+          <a:p>
+            <a:r>
+              <a:rPr lang="en-US" altLang="ko-KR" dirty="0" smtClean="0">
+                <a:solidFill>
+                  <a:schemeClr val="accent5"/>
+                </a:solidFill>
+                <a:latin typeface="배달의민족 도현" pitchFamily="50" charset="-127"/>
+                <a:ea typeface="배달의민족 도현" pitchFamily="50" charset="-127"/>
+              </a:rPr>
+              <a:t>S</a:t>
+            </a:r>
+            <a:r>
+              <a:rPr lang="en-US" altLang="ko-KR" dirty="0" smtClean="0">
+                <a:latin typeface="배달의민족 도현" pitchFamily="50" charset="-127"/>
+                <a:ea typeface="배달의민족 도현" pitchFamily="50" charset="-127"/>
+              </a:rPr>
+              <a:t>TART</a:t>
+            </a:r>
+            <a:r>
+              <a:rPr lang="en-US" altLang="ko-KR" dirty="0" smtClean="0">
+                <a:solidFill>
+                  <a:schemeClr val="accent5"/>
+                </a:solidFill>
+                <a:latin typeface="배달의민족 도현" pitchFamily="50" charset="-127"/>
+                <a:ea typeface="배달의민족 도현" pitchFamily="50" charset="-127"/>
+              </a:rPr>
+              <a:t>C</a:t>
+            </a:r>
+            <a:r>
+              <a:rPr lang="en-US" altLang="ko-KR" dirty="0" smtClean="0">
+                <a:latin typeface="배달의민족 도현" pitchFamily="50" charset="-127"/>
+                <a:ea typeface="배달의민족 도현" pitchFamily="50" charset="-127"/>
+              </a:rPr>
+              <a:t>ODING</a:t>
+            </a:r>
+            <a:endParaRPr lang="ko-KR" altLang="en-US" dirty="0">
+              <a:latin typeface="배달의민족 도현" pitchFamily="50" charset="-127"/>
+              <a:ea typeface="배달의민족 도현" pitchFamily="50" charset="-127"/>
+            </a:endParaRPr>
+          </a:p>
+        </p:txBody>
+      </p:sp>
+      <p:sp>
+        <p:nvSpPr>
+          <p:cNvPr id="4" name="제목 3"/>
+          <p:cNvSpPr>
+            <a:spLocks noGrp="1"/>
+          </p:cNvSpPr>
+          <p:nvPr>
+            <p:ph type="ctrTitle"/>
+          </p:nvPr>
+        </p:nvSpPr>
+        <p:spPr/>
+        <p:txBody>
+          <a:bodyPr/>
+          <a:lstStyle/>
+          <a:p>
+            <a:endParaRPr lang="ko-KR" altLang="en-US"/>
+          </a:p>
+        </p:txBody>
+      </p:sp>
+      <p:pic>
+        <p:nvPicPr>
+          <p:cNvPr id="5" name="Picture 2"/>
+          <p:cNvPicPr>
+            <a:picLocks noChangeAspect="1" noChangeArrowheads="1"/>
+          </p:cNvPicPr>
+          <p:nvPr/>
+        </p:nvPicPr>
+        <p:blipFill>
+          <a:blip r:embed="rId2">
+            <a:extLst>
+              <a:ext uri="{28A0092B-C50C-407E-A947-70E740481C1C}">
+                <a14:useLocalDpi xmlns:a14="http://schemas.microsoft.com/office/drawing/2010/main" val="0"/>
+              </a:ext>
+            </a:extLst>
+          </a:blip>
+          <a:srcRect/>
+          <a:stretch>
+            <a:fillRect/>
+          </a:stretch>
+        </p:blipFill>
+        <p:spPr bwMode="auto">
+          <a:xfrm>
+            <a:off x="280970" y="93703"/>
+            <a:ext cx="8532440" cy="5999593"/>
+          </a:xfrm>
+          <a:prstGeom prst="rect">
+            <a:avLst/>
+          </a:prstGeom>
+          <a:noFill/>
+          <a:ln>
+            <a:noFill/>
+          </a:ln>
+          <a:effectLst/>
+          <a:extLst>
+            <a:ext uri="{909E8E84-426E-40DD-AFC4-6F175D3DCCD1}">
+              <a14:hiddenFill xmlns:a14="http://schemas.microsoft.com/office/drawing/2010/main">
+                <a:solidFill>
+                  <a:schemeClr val="accent1"/>
+                </a:solidFill>
+              </a14:hiddenFill>
+            </a:ext>
+            <a:ext uri="{91240B29-F687-4F45-9708-019B960494DF}">
+              <a14:hiddenLine xmlns:a14="http://schemas.microsoft.com/office/drawing/2010/main" w="9525">
+                <a:solidFill>
+                  <a:schemeClr val="tx1"/>
+                </a:solidFill>
+                <a:miter lim="800000"/>
+                <a:headEnd/>
+                <a:tailEnd/>
+              </a14:hiddenLine>
+            </a:ext>
+            <a:ext uri="{AF507438-7753-43E0-B8FC-AC1667EBCBE1}">
+              <a14:hiddenEffects xmlns:a14="http://schemas.microsoft.com/office/drawing/2010/main">
+                <a:effectLst>
+                  <a:outerShdw dist="35921" dir="2700000" algn="ctr" rotWithShape="0">
+                    <a:schemeClr val="bg2"/>
+                  </a:outerShdw>
+                </a:effectLst>
+              </a14:hiddenEffects>
+            </a:ext>
+          </a:extLst>
+        </p:spPr>
+      </p:pic>
+      <p:sp>
+        <p:nvSpPr>
+          <p:cNvPr id="6" name="직사각형 5"/>
+          <p:cNvSpPr/>
+          <p:nvPr/>
+        </p:nvSpPr>
+        <p:spPr>
+          <a:xfrm>
+            <a:off x="280970" y="93703"/>
+            <a:ext cx="8506259" cy="382969"/>
+          </a:xfrm>
+          <a:prstGeom prst="rect">
+            <a:avLst/>
+          </a:prstGeom>
+          <a:noFill/>
+          <a:ln>
+            <a:solidFill>
+              <a:srgbClr val="FF0000"/>
+            </a:solidFill>
+          </a:ln>
+        </p:spPr>
+        <p:style>
+          <a:lnRef idx="2">
+            <a:schemeClr val="accent1">
+              <a:shade val="50000"/>
+            </a:schemeClr>
+          </a:lnRef>
+          <a:fillRef idx="1">
+            <a:schemeClr val="accent1"/>
+          </a:fillRef>
+          <a:effectRef idx="0">
+            <a:schemeClr val="accent1"/>
+          </a:effectRef>
+          <a:fontRef idx="minor">
+            <a:schemeClr val="lt1"/>
+          </a:fontRef>
+        </p:style>
+        <p:txBody>
+          <a:bodyPr rtlCol="0" anchor="ctr"/>
+          <a:lstStyle/>
+          <a:p>
+            <a:pPr algn="ctr"/>
+            <a:endParaRPr lang="ko-KR" altLang="en-US"/>
+          </a:p>
+        </p:txBody>
+      </p:sp>
+      <p:sp>
+        <p:nvSpPr>
+          <p:cNvPr id="7" name="직사각형 6"/>
+          <p:cNvSpPr/>
+          <p:nvPr/>
+        </p:nvSpPr>
+        <p:spPr>
+          <a:xfrm>
+            <a:off x="280969" y="548680"/>
+            <a:ext cx="5371151" cy="3096344"/>
+          </a:xfrm>
+          <a:prstGeom prst="rect">
+            <a:avLst/>
+          </a:prstGeom>
+          <a:noFill/>
+          <a:ln>
+            <a:solidFill>
+              <a:schemeClr val="accent6"/>
+            </a:solidFill>
+          </a:ln>
+        </p:spPr>
+        <p:style>
+          <a:lnRef idx="2">
+            <a:schemeClr val="accent1">
+              <a:shade val="50000"/>
+            </a:schemeClr>
+          </a:lnRef>
+          <a:fillRef idx="1">
+            <a:schemeClr val="accent1"/>
+          </a:fillRef>
+          <a:effectRef idx="0">
+            <a:schemeClr val="accent1"/>
+          </a:effectRef>
+          <a:fontRef idx="minor">
+            <a:schemeClr val="lt1"/>
+          </a:fontRef>
+        </p:style>
+        <p:txBody>
+          <a:bodyPr rtlCol="0" anchor="ctr"/>
+          <a:lstStyle/>
+          <a:p>
+            <a:pPr algn="ctr"/>
+            <a:endParaRPr lang="ko-KR" altLang="en-US"/>
+          </a:p>
+        </p:txBody>
+      </p:sp>
+      <p:sp>
+        <p:nvSpPr>
+          <p:cNvPr id="10" name="직사각형 9"/>
+          <p:cNvSpPr/>
+          <p:nvPr/>
+        </p:nvSpPr>
+        <p:spPr>
+          <a:xfrm>
+            <a:off x="5724129" y="548680"/>
+            <a:ext cx="3089282" cy="5544616"/>
+          </a:xfrm>
+          <a:prstGeom prst="rect">
+            <a:avLst/>
+          </a:prstGeom>
+          <a:noFill/>
+          <a:ln>
+            <a:solidFill>
+              <a:srgbClr val="FFFF00"/>
+            </a:solidFill>
+          </a:ln>
+        </p:spPr>
+        <p:style>
+          <a:lnRef idx="2">
+            <a:schemeClr val="accent1">
+              <a:shade val="50000"/>
+            </a:schemeClr>
+          </a:lnRef>
+          <a:fillRef idx="1">
+            <a:schemeClr val="accent1"/>
+          </a:fillRef>
+          <a:effectRef idx="0">
+            <a:schemeClr val="accent1"/>
+          </a:effectRef>
+          <a:fontRef idx="minor">
+            <a:schemeClr val="lt1"/>
+          </a:fontRef>
+        </p:style>
+        <p:txBody>
+          <a:bodyPr rtlCol="0" anchor="ctr"/>
+          <a:lstStyle/>
+          <a:p>
+            <a:pPr algn="ctr"/>
+            <a:endParaRPr lang="ko-KR" altLang="en-US"/>
+          </a:p>
+        </p:txBody>
+      </p:sp>
+      <p:sp>
+        <p:nvSpPr>
+          <p:cNvPr id="11" name="직사각형 10"/>
+          <p:cNvSpPr/>
+          <p:nvPr/>
+        </p:nvSpPr>
+        <p:spPr>
+          <a:xfrm>
+            <a:off x="280971" y="3662577"/>
+            <a:ext cx="5371150" cy="1926663"/>
+          </a:xfrm>
+          <a:prstGeom prst="rect">
+            <a:avLst/>
+          </a:prstGeom>
+          <a:noFill/>
+          <a:ln>
+            <a:solidFill>
+              <a:srgbClr val="00B050"/>
+            </a:solidFill>
+          </a:ln>
+        </p:spPr>
+        <p:style>
+          <a:lnRef idx="2">
+            <a:schemeClr val="accent1">
+              <a:shade val="50000"/>
+            </a:schemeClr>
+          </a:lnRef>
+          <a:fillRef idx="1">
+            <a:schemeClr val="accent1"/>
+          </a:fillRef>
+          <a:effectRef idx="0">
+            <a:schemeClr val="accent1"/>
+          </a:effectRef>
+          <a:fontRef idx="minor">
+            <a:schemeClr val="lt1"/>
+          </a:fontRef>
+        </p:style>
+        <p:txBody>
+          <a:bodyPr rtlCol="0" anchor="ctr"/>
+          <a:lstStyle/>
+          <a:p>
+            <a:pPr algn="ctr"/>
+            <a:endParaRPr lang="ko-KR" altLang="en-US"/>
+          </a:p>
+        </p:txBody>
+      </p:sp>
+      <p:sp>
+        <p:nvSpPr>
+          <p:cNvPr id="12" name="직사각형 11"/>
+          <p:cNvSpPr/>
+          <p:nvPr/>
+        </p:nvSpPr>
+        <p:spPr>
+          <a:xfrm>
+            <a:off x="280971" y="5661248"/>
+            <a:ext cx="5371149" cy="421600"/>
+          </a:xfrm>
+          <a:prstGeom prst="rect">
+            <a:avLst/>
+          </a:prstGeom>
+          <a:noFill/>
+          <a:ln>
+            <a:solidFill>
+              <a:srgbClr val="0070C0"/>
+            </a:solidFill>
+          </a:ln>
+        </p:spPr>
+        <p:style>
+          <a:lnRef idx="2">
+            <a:schemeClr val="accent1">
+              <a:shade val="50000"/>
+            </a:schemeClr>
+          </a:lnRef>
+          <a:fillRef idx="1">
+            <a:schemeClr val="accent1"/>
+          </a:fillRef>
+          <a:effectRef idx="0">
+            <a:schemeClr val="accent1"/>
+          </a:effectRef>
+          <a:fontRef idx="minor">
+            <a:schemeClr val="lt1"/>
+          </a:fontRef>
+        </p:style>
+        <p:txBody>
+          <a:bodyPr rtlCol="0" anchor="ctr"/>
+          <a:lstStyle/>
+          <a:p>
+            <a:pPr algn="ctr"/>
+            <a:endParaRPr lang="ko-KR" altLang="en-US"/>
+          </a:p>
+        </p:txBody>
+      </p:sp>
+    </p:spTree>
+    <p:extLst>
+      <p:ext uri="{BB962C8B-B14F-4D97-AF65-F5344CB8AC3E}">
+        <p14:creationId xmlns:p14="http://schemas.microsoft.com/office/powerpoint/2010/main" val="2682336023"/>
+      </p:ext>
+    </p:extLst>
+  </p:cSld>
+  <p:clrMapOvr>
+    <a:masterClrMapping/>
+  </p:clrMapOvr>
+  <p:timing>
+    <p:tnLst>
+      <p:par>
+        <p:cTn id="1" dur="indefinite" restart="never" nodeType="tmRoot"/>
+      </p:par>
+    </p:tnLst>
+  </p:timing>
+</p:sld>
+</file>
+
+<file path=ppt/slides/slide5.xml><?xml version="1.0" encoding="utf-8"?>
+<p:sld xmlns:a="http://schemas.openxmlformats.org/drawingml/2006/main" xmlns:r="http://schemas.openxmlformats.org/officeDocument/2006/relationships" xmlns:p="http://schemas.openxmlformats.org/presentationml/2006/main">
+  <p:cSld>
+    <p:spTree>
+      <p:nvGrpSpPr>
+        <p:cNvPr id="1" name=""/>
+        <p:cNvGrpSpPr/>
+        <p:nvPr/>
+      </p:nvGrpSpPr>
+      <p:grpSpPr>
+        <a:xfrm>
+          <a:off x="0" y="0"/>
+          <a:ext cx="0" cy="0"/>
+          <a:chOff x="0" y="0"/>
+          <a:chExt cx="0" cy="0"/>
+        </a:xfrm>
+      </p:grpSpPr>
+      <p:sp>
+        <p:nvSpPr>
           <p:cNvPr id="2" name="제목 1"/>
           <p:cNvSpPr>
             <a:spLocks noGrp="1"/>
@@ -4479,7 +5246,7 @@
         </p:blipFill>
         <p:spPr bwMode="auto">
           <a:xfrm>
-            <a:off x="3414713" y="2276872"/>
+            <a:off x="3409207" y="3284984"/>
             <a:ext cx="2314575" cy="1885950"/>
           </a:xfrm>
           <a:prstGeom prst="rect">
@@ -4616,7 +5383,7 @@
 </p:sld>
 </file>
 
-<file path=ppt/slides/slide5.xml><?xml version="1.0" encoding="utf-8"?>
+<file path=ppt/slides/slide6.xml><?xml version="1.0" encoding="utf-8"?>
 <p:sld xmlns:a="http://schemas.openxmlformats.org/drawingml/2006/main" xmlns:r="http://schemas.openxmlformats.org/officeDocument/2006/relationships" xmlns:p="http://schemas.openxmlformats.org/presentationml/2006/main">
   <p:cSld>
     <p:spTree>
@@ -4674,7 +5441,21 @@
                 <a:latin typeface="배달의민족 주아" pitchFamily="18" charset="-127"/>
                 <a:ea typeface="배달의민족 주아" pitchFamily="18" charset="-127"/>
               </a:rPr>
-              <a:t>	span </a:t>
+              <a:t>	</a:t>
+            </a:r>
+            <a:r>
+              <a:rPr lang="ko-KR" altLang="en-US" dirty="0" smtClean="0">
+                <a:latin typeface="배달의민족 주아" pitchFamily="18" charset="-127"/>
+                <a:ea typeface="배달의민족 주아" pitchFamily="18" charset="-127"/>
+              </a:rPr>
+              <a:t>텍스트 디자인</a:t>
+            </a:r>
+            <a:r>
+              <a:rPr lang="en-US" altLang="ko-KR" dirty="0" smtClean="0">
+                <a:latin typeface="배달의민족 주아" pitchFamily="18" charset="-127"/>
+                <a:ea typeface="배달의민족 주아" pitchFamily="18" charset="-127"/>
+              </a:rPr>
+              <a:t> </a:t>
             </a:r>
             <a:r>
               <a:rPr lang="ko-KR" altLang="en-US" dirty="0" smtClean="0">
@@ -4720,8 +5501,8 @@
         </p:nvSpPr>
         <p:spPr>
           <a:xfrm>
-            <a:off x="683568" y="4077072"/>
-            <a:ext cx="7772400" cy="1470025"/>
+            <a:off x="691438" y="3933056"/>
+            <a:ext cx="7704856" cy="1470025"/>
           </a:xfrm>
           <a:prstGeom prst="rect">
             <a:avLst/>
@@ -4749,35 +5530,39 @@
           </a:lstStyle>
           <a:p>
             <a:r>
-              <a:rPr lang="ko-KR" altLang="en-US" sz="3600" dirty="0" smtClean="0">
+              <a:rPr lang="ko-KR" altLang="en-US" sz="3200" dirty="0" smtClean="0">
+                <a:solidFill>
+                  <a:schemeClr val="accent5"/>
+                </a:solidFill>
                 <a:latin typeface="배달의민족 주아" pitchFamily="18" charset="-127"/>
                 <a:ea typeface="배달의민족 주아" pitchFamily="18" charset="-127"/>
               </a:rPr>
-              <a:t>텍스트의 특정 부분을 묶는 데 자주 사용</a:t>
-            </a:r>
-            <a:endParaRPr lang="en-US" altLang="ko-KR" sz="3600" dirty="0" smtClean="0">
-              <a:latin typeface="배달의민족 주아" pitchFamily="18" charset="-127"/>
-              <a:ea typeface="배달의민족 주아" pitchFamily="18" charset="-127"/>
-            </a:endParaRPr>
-          </a:p>
-          <a:p>
-            <a:r>
-              <a:rPr lang="ko-KR" altLang="en-US" sz="3600" dirty="0" err="1" smtClean="0">
-                <a:solidFill>
-                  <a:schemeClr val="accent5"/>
-                </a:solidFill>
+              <a:t>텍스트</a:t>
+            </a:r>
+            <a:r>
+              <a:rPr lang="ko-KR" altLang="en-US" sz="3200" dirty="0" smtClean="0">
                 <a:latin typeface="배달의민족 주아" pitchFamily="18" charset="-127"/>
                 <a:ea typeface="배달의민족 주아" pitchFamily="18" charset="-127"/>
               </a:rPr>
-              <a:t>인라인요소</a:t>
-            </a:r>
-            <a:endParaRPr lang="en-US" altLang="ko-KR" sz="3600" dirty="0" smtClean="0">
-              <a:solidFill>
-                <a:schemeClr val="accent5"/>
-              </a:solidFill>
-              <a:latin typeface="배달의민족 주아" pitchFamily="18" charset="-127"/>
-              <a:ea typeface="배달의민족 주아" pitchFamily="18" charset="-127"/>
-            </a:endParaRPr>
+              <a:t>의 특정 부분을 </a:t>
+            </a:r>
+            <a:r>
+              <a:rPr lang="ko-KR" altLang="en-US" sz="3200" dirty="0" smtClean="0">
+                <a:solidFill>
+                  <a:schemeClr val="accent5"/>
+                </a:solidFill>
+                <a:latin typeface="배달의민족 주아" pitchFamily="18" charset="-127"/>
+                <a:ea typeface="배달의민족 주아" pitchFamily="18" charset="-127"/>
+              </a:rPr>
+              <a:t>디자인</a:t>
+            </a:r>
+            <a:r>
+              <a:rPr lang="ko-KR" altLang="en-US" sz="3200" dirty="0" smtClean="0">
+                <a:latin typeface="배달의민족 주아" pitchFamily="18" charset="-127"/>
+                <a:ea typeface="배달의민족 주아" pitchFamily="18" charset="-127"/>
+              </a:rPr>
+              <a:t> 하는데 자주 사용</a:t>
+            </a:r>
           </a:p>
         </p:txBody>
       </p:sp>
@@ -5037,7 +5822,7 @@
 </p:sld>
 </file>
 
-<file path=ppt/slides/slide6.xml><?xml version="1.0" encoding="utf-8"?>
+<file path=ppt/slides/slide7.xml><?xml version="1.0" encoding="utf-8"?>
 <p:sld xmlns:a="http://schemas.openxmlformats.org/drawingml/2006/main" xmlns:r="http://schemas.openxmlformats.org/officeDocument/2006/relationships" xmlns:p="http://schemas.openxmlformats.org/presentationml/2006/main">
   <p:cSld>
     <p:spTree>
@@ -5274,7 +6059,7 @@
 </p:sld>
 </file>
 
-<file path=ppt/slides/slide7.xml><?xml version="1.0" encoding="utf-8"?>
+<file path=ppt/slides/slide8.xml><?xml version="1.0" encoding="utf-8"?>
 <p:sld xmlns:a="http://schemas.openxmlformats.org/drawingml/2006/main" xmlns:r="http://schemas.openxmlformats.org/officeDocument/2006/relationships" xmlns:p="http://schemas.openxmlformats.org/presentationml/2006/main">
   <p:cSld>
     <p:spTree>
@@ -5509,8 +6294,8 @@
         </p:nvSpPr>
         <p:spPr>
           <a:xfrm>
-            <a:off x="611560" y="1628800"/>
-            <a:ext cx="7772400" cy="1470025"/>
+            <a:off x="611560" y="1628801"/>
+            <a:ext cx="7772400" cy="864095"/>
           </a:xfrm>
           <a:prstGeom prst="rect">
             <a:avLst/>
@@ -5909,301 +6694,6 @@
 </p:sld>
 </file>
 
-<file path=ppt/slides/slide8.xml><?xml version="1.0" encoding="utf-8"?>
-<p:sld xmlns:a="http://schemas.openxmlformats.org/drawingml/2006/main" xmlns:r="http://schemas.openxmlformats.org/officeDocument/2006/relationships" xmlns:p="http://schemas.openxmlformats.org/presentationml/2006/main">
-  <p:cSld>
-    <p:spTree>
-      <p:nvGrpSpPr>
-        <p:cNvPr id="1" name=""/>
-        <p:cNvGrpSpPr/>
-        <p:nvPr/>
-      </p:nvGrpSpPr>
-      <p:grpSpPr>
-        <a:xfrm>
-          <a:off x="0" y="0"/>
-          <a:ext cx="0" cy="0"/>
-          <a:chOff x="0" y="0"/>
-          <a:chExt cx="0" cy="0"/>
-        </a:xfrm>
-      </p:grpSpPr>
-      <p:sp>
-        <p:nvSpPr>
-          <p:cNvPr id="2" name="제목 1"/>
-          <p:cNvSpPr>
-            <a:spLocks noGrp="1"/>
-          </p:cNvSpPr>
-          <p:nvPr>
-            <p:ph type="ctrTitle"/>
-          </p:nvPr>
-        </p:nvSpPr>
-        <p:spPr/>
-        <p:txBody>
-          <a:bodyPr>
-            <a:normAutofit fontScale="90000"/>
-          </a:bodyPr>
-          <a:lstStyle/>
-          <a:p>
-            <a:r>
-              <a:rPr lang="ko-KR" altLang="en-US" dirty="0" smtClean="0">
-                <a:solidFill>
-                  <a:schemeClr val="accent5"/>
-                </a:solidFill>
-                <a:latin typeface="배달의민족 주아" pitchFamily="18" charset="-127"/>
-                <a:ea typeface="배달의민족 주아" pitchFamily="18" charset="-127"/>
-              </a:rPr>
-              <a:t>과제</a:t>
-            </a:r>
-            <a:r>
-              <a:rPr lang="en-US" altLang="ko-KR" dirty="0">
-                <a:solidFill>
-                  <a:schemeClr val="accent5"/>
-                </a:solidFill>
-                <a:latin typeface="배달의민족 주아" pitchFamily="18" charset="-127"/>
-                <a:ea typeface="배달의민족 주아" pitchFamily="18" charset="-127"/>
-              </a:rPr>
-              <a:t/>
-            </a:r>
-            <a:br>
-              <a:rPr lang="en-US" altLang="ko-KR" dirty="0">
-                <a:solidFill>
-                  <a:schemeClr val="accent5"/>
-                </a:solidFill>
-                <a:latin typeface="배달의민족 주아" pitchFamily="18" charset="-127"/>
-                <a:ea typeface="배달의민족 주아" pitchFamily="18" charset="-127"/>
-              </a:rPr>
-            </a:br>
-            <a:r>
-              <a:rPr lang="ko-KR" altLang="en-US" dirty="0" smtClean="0">
-                <a:latin typeface="배달의민족 주아" pitchFamily="18" charset="-127"/>
-                <a:ea typeface="배달의민족 주아" pitchFamily="18" charset="-127"/>
-              </a:rPr>
-              <a:t>앞에서 배웠던 태그들이 </a:t>
-            </a:r>
-            <a:r>
-              <a:rPr lang="en-US" altLang="ko-KR" dirty="0" smtClean="0">
-                <a:latin typeface="배달의민족 주아" pitchFamily="18" charset="-127"/>
-                <a:ea typeface="배달의민족 주아" pitchFamily="18" charset="-127"/>
-              </a:rPr>
-              <a:t/>
-            </a:r>
-            <a:br>
-              <a:rPr lang="en-US" altLang="ko-KR" dirty="0" smtClean="0">
-                <a:latin typeface="배달의민족 주아" pitchFamily="18" charset="-127"/>
-                <a:ea typeface="배달의민족 주아" pitchFamily="18" charset="-127"/>
-              </a:rPr>
-            </a:br>
-            <a:r>
-              <a:rPr lang="ko-KR" altLang="en-US" dirty="0" err="1" smtClean="0">
-                <a:latin typeface="배달의민족 주아" pitchFamily="18" charset="-127"/>
-                <a:ea typeface="배달의민족 주아" pitchFamily="18" charset="-127"/>
-              </a:rPr>
-              <a:t>블락요소인지</a:t>
-            </a:r>
-            <a:r>
-              <a:rPr lang="ko-KR" altLang="en-US" dirty="0" smtClean="0">
-                <a:latin typeface="배달의민족 주아" pitchFamily="18" charset="-127"/>
-                <a:ea typeface="배달의민족 주아" pitchFamily="18" charset="-127"/>
-              </a:rPr>
-              <a:t> </a:t>
-            </a:r>
-            <a:r>
-              <a:rPr lang="ko-KR" altLang="en-US" dirty="0" err="1" smtClean="0">
-                <a:latin typeface="배달의민족 주아" pitchFamily="18" charset="-127"/>
-                <a:ea typeface="배달의민족 주아" pitchFamily="18" charset="-127"/>
-              </a:rPr>
-              <a:t>인라인요소인지</a:t>
-            </a:r>
-            <a:r>
-              <a:rPr lang="ko-KR" altLang="en-US" dirty="0" smtClean="0">
-                <a:latin typeface="배달의민족 주아" pitchFamily="18" charset="-127"/>
-                <a:ea typeface="배달의민족 주아" pitchFamily="18" charset="-127"/>
-              </a:rPr>
-              <a:t> 확인하기</a:t>
-            </a:r>
-            <a:endParaRPr lang="ko-KR" altLang="en-US" dirty="0">
-              <a:latin typeface="배달의민족 주아" pitchFamily="18" charset="-127"/>
-              <a:ea typeface="배달의민족 주아" pitchFamily="18" charset="-127"/>
-            </a:endParaRPr>
-          </a:p>
-        </p:txBody>
-      </p:sp>
-      <p:sp>
-        <p:nvSpPr>
-          <p:cNvPr id="3" name="TextBox 2"/>
-          <p:cNvSpPr txBox="1"/>
-          <p:nvPr/>
-        </p:nvSpPr>
-        <p:spPr>
-          <a:xfrm>
-            <a:off x="6948264" y="6093296"/>
-            <a:ext cx="1838965" cy="369332"/>
-          </a:xfrm>
-          <a:prstGeom prst="rect">
-            <a:avLst/>
-          </a:prstGeom>
-          <a:noFill/>
-        </p:spPr>
-        <p:txBody>
-          <a:bodyPr wrap="none" rtlCol="0">
-            <a:spAutoFit/>
-          </a:bodyPr>
-          <a:lstStyle>
-            <a:defPPr>
-              <a:defRPr lang="ko-KR"/>
-            </a:defPPr>
-            <a:lvl1pPr marL="0" algn="l" defTabSz="914400" rtl="0" eaLnBrk="1" latinLnBrk="1" hangingPunct="1">
-              <a:defRPr sz="1800" kern="1200">
-                <a:solidFill>
-                  <a:schemeClr val="tx1"/>
-                </a:solidFill>
-                <a:latin typeface="+mn-lt"/>
-                <a:ea typeface="+mn-ea"/>
-                <a:cs typeface="+mn-cs"/>
-              </a:defRPr>
-            </a:lvl1pPr>
-            <a:lvl2pPr marL="457200" algn="l" defTabSz="914400" rtl="0" eaLnBrk="1" latinLnBrk="1" hangingPunct="1">
-              <a:defRPr sz="1800" kern="1200">
-                <a:solidFill>
-                  <a:schemeClr val="tx1"/>
-                </a:solidFill>
-                <a:latin typeface="+mn-lt"/>
-                <a:ea typeface="+mn-ea"/>
-                <a:cs typeface="+mn-cs"/>
-              </a:defRPr>
-            </a:lvl2pPr>
-            <a:lvl3pPr marL="914400" algn="l" defTabSz="914400" rtl="0" eaLnBrk="1" latinLnBrk="1" hangingPunct="1">
-              <a:defRPr sz="1800" kern="1200">
-                <a:solidFill>
-                  <a:schemeClr val="tx1"/>
-                </a:solidFill>
-                <a:latin typeface="+mn-lt"/>
-                <a:ea typeface="+mn-ea"/>
-                <a:cs typeface="+mn-cs"/>
-              </a:defRPr>
-            </a:lvl3pPr>
-            <a:lvl4pPr marL="1371600" algn="l" defTabSz="914400" rtl="0" eaLnBrk="1" latinLnBrk="1" hangingPunct="1">
-              <a:defRPr sz="1800" kern="1200">
-                <a:solidFill>
-                  <a:schemeClr val="tx1"/>
-                </a:solidFill>
-                <a:latin typeface="+mn-lt"/>
-                <a:ea typeface="+mn-ea"/>
-                <a:cs typeface="+mn-cs"/>
-              </a:defRPr>
-            </a:lvl4pPr>
-            <a:lvl5pPr marL="1828800" algn="l" defTabSz="914400" rtl="0" eaLnBrk="1" latinLnBrk="1" hangingPunct="1">
-              <a:defRPr sz="1800" kern="1200">
-                <a:solidFill>
-                  <a:schemeClr val="tx1"/>
-                </a:solidFill>
-                <a:latin typeface="+mn-lt"/>
-                <a:ea typeface="+mn-ea"/>
-                <a:cs typeface="+mn-cs"/>
-              </a:defRPr>
-            </a:lvl5pPr>
-            <a:lvl6pPr marL="2286000" algn="l" defTabSz="914400" rtl="0" eaLnBrk="1" latinLnBrk="1" hangingPunct="1">
-              <a:defRPr sz="1800" kern="1200">
-                <a:solidFill>
-                  <a:schemeClr val="tx1"/>
-                </a:solidFill>
-                <a:latin typeface="+mn-lt"/>
-                <a:ea typeface="+mn-ea"/>
-                <a:cs typeface="+mn-cs"/>
-              </a:defRPr>
-            </a:lvl6pPr>
-            <a:lvl7pPr marL="2743200" algn="l" defTabSz="914400" rtl="0" eaLnBrk="1" latinLnBrk="1" hangingPunct="1">
-              <a:defRPr sz="1800" kern="1200">
-                <a:solidFill>
-                  <a:schemeClr val="tx1"/>
-                </a:solidFill>
-                <a:latin typeface="+mn-lt"/>
-                <a:ea typeface="+mn-ea"/>
-                <a:cs typeface="+mn-cs"/>
-              </a:defRPr>
-            </a:lvl7pPr>
-            <a:lvl8pPr marL="3200400" algn="l" defTabSz="914400" rtl="0" eaLnBrk="1" latinLnBrk="1" hangingPunct="1">
-              <a:defRPr sz="1800" kern="1200">
-                <a:solidFill>
-                  <a:schemeClr val="tx1"/>
-                </a:solidFill>
-                <a:latin typeface="+mn-lt"/>
-                <a:ea typeface="+mn-ea"/>
-                <a:cs typeface="+mn-cs"/>
-              </a:defRPr>
-            </a:lvl8pPr>
-            <a:lvl9pPr marL="3657600" algn="l" defTabSz="914400" rtl="0" eaLnBrk="1" latinLnBrk="1" hangingPunct="1">
-              <a:defRPr sz="1800" kern="1200">
-                <a:solidFill>
-                  <a:schemeClr val="tx1"/>
-                </a:solidFill>
-                <a:latin typeface="+mn-lt"/>
-                <a:ea typeface="+mn-ea"/>
-                <a:cs typeface="+mn-cs"/>
-              </a:defRPr>
-            </a:lvl9pPr>
-          </a:lstStyle>
-          <a:p>
-            <a:r>
-              <a:rPr lang="en-US" altLang="ko-KR" dirty="0" smtClean="0">
-                <a:solidFill>
-                  <a:schemeClr val="accent5"/>
-                </a:solidFill>
-                <a:latin typeface="배달의민족 도현" pitchFamily="50" charset="-127"/>
-                <a:ea typeface="배달의민족 도현" pitchFamily="50" charset="-127"/>
-              </a:rPr>
-              <a:t>S</a:t>
-            </a:r>
-            <a:r>
-              <a:rPr lang="en-US" altLang="ko-KR" dirty="0" smtClean="0">
-                <a:latin typeface="배달의민족 도현" pitchFamily="50" charset="-127"/>
-                <a:ea typeface="배달의민족 도현" pitchFamily="50" charset="-127"/>
-              </a:rPr>
-              <a:t>TART</a:t>
-            </a:r>
-            <a:r>
-              <a:rPr lang="en-US" altLang="ko-KR" dirty="0" smtClean="0">
-                <a:solidFill>
-                  <a:schemeClr val="accent5"/>
-                </a:solidFill>
-                <a:latin typeface="배달의민족 도현" pitchFamily="50" charset="-127"/>
-                <a:ea typeface="배달의민족 도현" pitchFamily="50" charset="-127"/>
-              </a:rPr>
-              <a:t>C</a:t>
-            </a:r>
-            <a:r>
-              <a:rPr lang="en-US" altLang="ko-KR" dirty="0" smtClean="0">
-                <a:latin typeface="배달의민족 도현" pitchFamily="50" charset="-127"/>
-                <a:ea typeface="배달의민족 도현" pitchFamily="50" charset="-127"/>
-              </a:rPr>
-              <a:t>ODING</a:t>
-            </a:r>
-            <a:endParaRPr lang="ko-KR" altLang="en-US" dirty="0">
-              <a:latin typeface="배달의민족 도현" pitchFamily="50" charset="-127"/>
-              <a:ea typeface="배달의민족 도현" pitchFamily="50" charset="-127"/>
-            </a:endParaRPr>
-          </a:p>
-        </p:txBody>
-      </p:sp>
-    </p:spTree>
-    <p:extLst>
-      <p:ext uri="{BB962C8B-B14F-4D97-AF65-F5344CB8AC3E}">
-        <p14:creationId xmlns:p14="http://schemas.microsoft.com/office/powerpoint/2010/main" val="3842579216"/>
-      </p:ext>
-    </p:extLst>
-  </p:cSld>
-  <p:clrMapOvr>
-    <a:masterClrMapping/>
-  </p:clrMapOvr>
-  <p:timing>
-    <p:tnLst>
-      <p:par>
-        <p:cTn id="1" dur="indefinite" restart="never" nodeType="tmRoot"/>
-      </p:par>
-    </p:tnLst>
-  </p:timing>
-</p:sld>
-</file>
-
 <file path=ppt/slides/slide9.xml><?xml version="1.0" encoding="utf-8"?>
 <p:sld xmlns:a="http://schemas.openxmlformats.org/drawingml/2006/main" xmlns:r="http://schemas.openxmlformats.org/officeDocument/2006/relationships" xmlns:p="http://schemas.openxmlformats.org/presentationml/2006/main">
   <p:cSld>
@@ -6233,7 +6723,9 @@
         </p:nvSpPr>
         <p:spPr/>
         <p:txBody>
-          <a:bodyPr/>
+          <a:bodyPr>
+            <a:normAutofit fontScale="90000"/>
+          </a:bodyPr>
           <a:lstStyle/>
           <a:p>
             <a:r>
@@ -6244,22 +6736,76 @@
                 <a:latin typeface="배달의민족 주아" pitchFamily="18" charset="-127"/>
                 <a:ea typeface="배달의민족 주아" pitchFamily="18" charset="-127"/>
               </a:rPr>
-              <a:t>실습</a:t>
-            </a:r>
-            <a:r>
-              <a:rPr lang="en-US" altLang="ko-KR" dirty="0" smtClean="0">
+              <a:t>과제</a:t>
+            </a:r>
+            <a:r>
+              <a:rPr lang="en-US" altLang="ko-KR" dirty="0">
                 <a:solidFill>
                   <a:schemeClr val="accent5"/>
                 </a:solidFill>
                 <a:latin typeface="배달의민족 주아" pitchFamily="18" charset="-127"/>
                 <a:ea typeface="배달의민족 주아" pitchFamily="18" charset="-127"/>
               </a:rPr>
-              <a:t>!</a:t>
+              <a:t/>
+            </a:r>
+            <a:br>
+              <a:rPr lang="en-US" altLang="ko-KR" dirty="0">
+                <a:solidFill>
+                  <a:schemeClr val="accent5"/>
+                </a:solidFill>
+                <a:latin typeface="배달의민족 주아" pitchFamily="18" charset="-127"/>
+                <a:ea typeface="배달의민족 주아" pitchFamily="18" charset="-127"/>
+              </a:rPr>
+            </a:br>
+            <a:r>
+              <a:rPr lang="ko-KR" altLang="en-US" dirty="0" smtClean="0">
+                <a:latin typeface="배달의민족 주아" pitchFamily="18" charset="-127"/>
+                <a:ea typeface="배달의민족 주아" pitchFamily="18" charset="-127"/>
+              </a:rPr>
+              <a:t>앞에서 배웠던 태그들이 </a:t>
+            </a:r>
+            <a:r>
+              <a:rPr lang="en-US" altLang="ko-KR" dirty="0" smtClean="0">
+                <a:latin typeface="배달의민족 주아" pitchFamily="18" charset="-127"/>
+                <a:ea typeface="배달의민족 주아" pitchFamily="18" charset="-127"/>
+              </a:rPr>
+              <a:t/>
+            </a:r>
+            <a:br>
+              <a:rPr lang="en-US" altLang="ko-KR" dirty="0" smtClean="0">
+                <a:latin typeface="배달의민족 주아" pitchFamily="18" charset="-127"/>
+                <a:ea typeface="배달의민족 주아" pitchFamily="18" charset="-127"/>
+              </a:rPr>
+            </a:br>
+            <a:r>
+              <a:rPr lang="ko-KR" altLang="en-US" dirty="0" err="1" smtClean="0">
+                <a:latin typeface="배달의민족 주아" pitchFamily="18" charset="-127"/>
+                <a:ea typeface="배달의민족 주아" pitchFamily="18" charset="-127"/>
+              </a:rPr>
+              <a:t>블락요소인지</a:t>
+            </a:r>
+            <a:r>
+              <a:rPr lang="ko-KR" altLang="en-US" dirty="0" smtClean="0">
+                <a:latin typeface="배달의민족 주아" pitchFamily="18" charset="-127"/>
+                <a:ea typeface="배달의민족 주아" pitchFamily="18" charset="-127"/>
+              </a:rPr>
+              <a:t> </a:t>
+            </a:r>
+            <a:r>
+              <a:rPr lang="ko-KR" altLang="en-US" dirty="0" err="1" smtClean="0">
+                <a:latin typeface="배달의민족 주아" pitchFamily="18" charset="-127"/>
+                <a:ea typeface="배달의민족 주아" pitchFamily="18" charset="-127"/>
+              </a:rPr>
+              <a:t>인라인요소인지</a:t>
+            </a:r>
+            <a:r>
+              <a:rPr lang="ko-KR" altLang="en-US" dirty="0" smtClean="0">
+                <a:latin typeface="배달의민족 주아" pitchFamily="18" charset="-127"/>
+                <a:ea typeface="배달의민족 주아" pitchFamily="18" charset="-127"/>
+              </a:rPr>
+              <a:t> 확인하기</a:t>
             </a:r>
             <a:endParaRPr lang="ko-KR" altLang="en-US" dirty="0">
-              <a:solidFill>
-                <a:schemeClr val="accent5"/>
-              </a:solidFill>
               <a:latin typeface="배달의민족 주아" pitchFamily="18" charset="-127"/>
               <a:ea typeface="배달의민족 주아" pitchFamily="18" charset="-127"/>
             </a:endParaRPr>
@@ -6423,10 +6969,88 @@
           </a:p>
         </p:txBody>
       </p:sp>
+      <p:sp>
+        <p:nvSpPr>
+          <p:cNvPr id="4" name="제목 1"/>
+          <p:cNvSpPr txBox="1">
+            <a:spLocks/>
+          </p:cNvSpPr>
+          <p:nvPr/>
+        </p:nvSpPr>
+        <p:spPr>
+          <a:xfrm>
+            <a:off x="685800" y="3861048"/>
+            <a:ext cx="7772400" cy="1470025"/>
+          </a:xfrm>
+          <a:prstGeom prst="rect">
+            <a:avLst/>
+          </a:prstGeom>
+        </p:spPr>
+        <p:txBody>
+          <a:bodyPr vert="horz" lIns="91440" tIns="45720" rIns="91440" bIns="45720" rtlCol="0" anchor="ctr">
+            <a:normAutofit fontScale="97500"/>
+          </a:bodyPr>
+          <a:lstStyle>
+            <a:lvl1pPr algn="ctr" defTabSz="914400" rtl="0" eaLnBrk="1" latinLnBrk="1" hangingPunct="1">
+              <a:spcBef>
+                <a:spcPct val="0"/>
+              </a:spcBef>
+              <a:buNone/>
+              <a:defRPr sz="4400" kern="1200">
+                <a:solidFill>
+                  <a:schemeClr val="tx1"/>
+                </a:solidFill>
+                <a:latin typeface="+mj-lt"/>
+                <a:ea typeface="+mj-ea"/>
+                <a:cs typeface="+mj-cs"/>
+              </a:defRPr>
+            </a:lvl1pPr>
+          </a:lstStyle>
+          <a:p>
+            <a:r>
+              <a:rPr lang="ko-KR" altLang="en-US" sz="3600" dirty="0" smtClean="0">
+                <a:solidFill>
+                  <a:schemeClr val="accent5"/>
+                </a:solidFill>
+                <a:latin typeface="배달의민족 주아" pitchFamily="18" charset="-127"/>
+                <a:ea typeface="배달의민족 주아" pitchFamily="18" charset="-127"/>
+              </a:rPr>
+              <a:t>힌트 </a:t>
+            </a:r>
+            <a:r>
+              <a:rPr lang="en-US" altLang="ko-KR" sz="3600" dirty="0" smtClean="0">
+                <a:solidFill>
+                  <a:schemeClr val="accent5"/>
+                </a:solidFill>
+                <a:latin typeface="배달의민족 주아" pitchFamily="18" charset="-127"/>
+                <a:ea typeface="배달의민족 주아" pitchFamily="18" charset="-127"/>
+              </a:rPr>
+              <a:t>: </a:t>
+            </a:r>
+            <a:r>
+              <a:rPr lang="ko-KR" altLang="en-US" sz="3600" dirty="0" smtClean="0">
+                <a:solidFill>
+                  <a:schemeClr val="accent5"/>
+                </a:solidFill>
+                <a:latin typeface="배달의민족 주아" pitchFamily="18" charset="-127"/>
+                <a:ea typeface="배달의민족 주아" pitchFamily="18" charset="-127"/>
+              </a:rPr>
+              <a:t>배경색추가</a:t>
+            </a:r>
+            <a:endParaRPr lang="ko-KR" altLang="en-US" sz="3600" dirty="0">
+              <a:solidFill>
+                <a:schemeClr val="accent5"/>
+              </a:solidFill>
+              <a:latin typeface="배달의민족 주아" pitchFamily="18" charset="-127"/>
+              <a:ea typeface="배달의민족 주아" pitchFamily="18" charset="-127"/>
+            </a:endParaRPr>
+          </a:p>
+        </p:txBody>
+      </p:sp>
     </p:spTree>
     <p:extLst>
       <p:ext uri="{BB962C8B-B14F-4D97-AF65-F5344CB8AC3E}">
-        <p14:creationId xmlns:p14="http://schemas.microsoft.com/office/powerpoint/2010/main" val="3791781872"/>
+        <p14:creationId xmlns:p14="http://schemas.microsoft.com/office/powerpoint/2010/main" val="3842579216"/>
       </p:ext>
     </p:extLst>
   </p:cSld>
